--- a/doc/structure.pptx
+++ b/doc/structure.pptx
@@ -7,7 +7,15 @@
   <p:sldIdLst>
     <p:sldId id="256" r:id="rId2"/>
     <p:sldId id="257" r:id="rId3"/>
-    <p:sldId id="258" r:id="rId4"/>
+    <p:sldId id="260" r:id="rId4"/>
+    <p:sldId id="259" r:id="rId5"/>
+    <p:sldId id="264" r:id="rId6"/>
+    <p:sldId id="265" r:id="rId7"/>
+    <p:sldId id="262" r:id="rId8"/>
+    <p:sldId id="269" r:id="rId9"/>
+    <p:sldId id="266" r:id="rId10"/>
+    <p:sldId id="268" r:id="rId11"/>
+    <p:sldId id="267" r:id="rId12"/>
   </p:sldIdLst>
   <p:sldSz cx="9144000" cy="6858000" type="screen4x3"/>
   <p:notesSz cx="6858000" cy="9144000"/>
@@ -290,7 +298,7 @@
           <a:p>
             <a:fld id="{5BBEAD13-0566-4C6C-97E7-55F17F24B09F}" type="datetimeFigureOut">
               <a:rPr lang="zh-TW" altLang="en-US" smtClean="0"/>
-              <a:t>2018/4/20</a:t>
+              <a:t>2018/7/2</a:t>
             </a:fld>
             <a:endParaRPr lang="zh-TW" altLang="en-US"/>
           </a:p>
@@ -455,7 +463,7 @@
           <a:p>
             <a:fld id="{5BBEAD13-0566-4C6C-97E7-55F17F24B09F}" type="datetimeFigureOut">
               <a:rPr lang="zh-TW" altLang="en-US" smtClean="0"/>
-              <a:t>2018/4/20</a:t>
+              <a:t>2018/7/2</a:t>
             </a:fld>
             <a:endParaRPr lang="zh-TW" altLang="en-US"/>
           </a:p>
@@ -630,7 +638,7 @@
           <a:p>
             <a:fld id="{5BBEAD13-0566-4C6C-97E7-55F17F24B09F}" type="datetimeFigureOut">
               <a:rPr lang="zh-TW" altLang="en-US" smtClean="0"/>
-              <a:t>2018/4/20</a:t>
+              <a:t>2018/7/2</a:t>
             </a:fld>
             <a:endParaRPr lang="zh-TW" altLang="en-US"/>
           </a:p>
@@ -795,7 +803,7 @@
           <a:p>
             <a:fld id="{5BBEAD13-0566-4C6C-97E7-55F17F24B09F}" type="datetimeFigureOut">
               <a:rPr lang="zh-TW" altLang="en-US" smtClean="0"/>
-              <a:t>2018/4/20</a:t>
+              <a:t>2018/7/2</a:t>
             </a:fld>
             <a:endParaRPr lang="zh-TW" altLang="en-US"/>
           </a:p>
@@ -1036,7 +1044,7 @@
           <a:p>
             <a:fld id="{5BBEAD13-0566-4C6C-97E7-55F17F24B09F}" type="datetimeFigureOut">
               <a:rPr lang="zh-TW" altLang="en-US" smtClean="0"/>
-              <a:t>2018/4/20</a:t>
+              <a:t>2018/7/2</a:t>
             </a:fld>
             <a:endParaRPr lang="zh-TW" altLang="en-US"/>
           </a:p>
@@ -1319,7 +1327,7 @@
           <a:p>
             <a:fld id="{5BBEAD13-0566-4C6C-97E7-55F17F24B09F}" type="datetimeFigureOut">
               <a:rPr lang="zh-TW" altLang="en-US" smtClean="0"/>
-              <a:t>2018/4/20</a:t>
+              <a:t>2018/7/2</a:t>
             </a:fld>
             <a:endParaRPr lang="zh-TW" altLang="en-US"/>
           </a:p>
@@ -1736,7 +1744,7 @@
           <a:p>
             <a:fld id="{5BBEAD13-0566-4C6C-97E7-55F17F24B09F}" type="datetimeFigureOut">
               <a:rPr lang="zh-TW" altLang="en-US" smtClean="0"/>
-              <a:t>2018/4/20</a:t>
+              <a:t>2018/7/2</a:t>
             </a:fld>
             <a:endParaRPr lang="zh-TW" altLang="en-US"/>
           </a:p>
@@ -1849,7 +1857,7 @@
           <a:p>
             <a:fld id="{5BBEAD13-0566-4C6C-97E7-55F17F24B09F}" type="datetimeFigureOut">
               <a:rPr lang="zh-TW" altLang="en-US" smtClean="0"/>
-              <a:t>2018/4/20</a:t>
+              <a:t>2018/7/2</a:t>
             </a:fld>
             <a:endParaRPr lang="zh-TW" altLang="en-US"/>
           </a:p>
@@ -1939,7 +1947,7 @@
           <a:p>
             <a:fld id="{5BBEAD13-0566-4C6C-97E7-55F17F24B09F}" type="datetimeFigureOut">
               <a:rPr lang="zh-TW" altLang="en-US" smtClean="0"/>
-              <a:t>2018/4/20</a:t>
+              <a:t>2018/7/2</a:t>
             </a:fld>
             <a:endParaRPr lang="zh-TW" altLang="en-US"/>
           </a:p>
@@ -2211,7 +2219,7 @@
           <a:p>
             <a:fld id="{5BBEAD13-0566-4C6C-97E7-55F17F24B09F}" type="datetimeFigureOut">
               <a:rPr lang="zh-TW" altLang="en-US" smtClean="0"/>
-              <a:t>2018/4/20</a:t>
+              <a:t>2018/7/2</a:t>
             </a:fld>
             <a:endParaRPr lang="zh-TW" altLang="en-US"/>
           </a:p>
@@ -2459,7 +2467,7 @@
           <a:p>
             <a:fld id="{5BBEAD13-0566-4C6C-97E7-55F17F24B09F}" type="datetimeFigureOut">
               <a:rPr lang="zh-TW" altLang="en-US" smtClean="0"/>
-              <a:t>2018/4/20</a:t>
+              <a:t>2018/7/2</a:t>
             </a:fld>
             <a:endParaRPr lang="zh-TW" altLang="en-US"/>
           </a:p>
@@ -2667,7 +2675,7 @@
           <a:p>
             <a:fld id="{5BBEAD13-0566-4C6C-97E7-55F17F24B09F}" type="datetimeFigureOut">
               <a:rPr lang="zh-TW" altLang="en-US" smtClean="0"/>
-              <a:t>2018/4/20</a:t>
+              <a:t>2018/7/2</a:t>
             </a:fld>
             <a:endParaRPr lang="zh-TW" altLang="en-US"/>
           </a:p>
@@ -3101,6 +3109,157 @@
 </p:sld>
 </file>
 
+<file path=ppt/slides/slide10.xml><?xml version="1.0" encoding="utf-8"?>
+<p:sld xmlns:a="http://schemas.openxmlformats.org/drawingml/2006/main" xmlns:r="http://schemas.openxmlformats.org/officeDocument/2006/relationships" xmlns:p="http://schemas.openxmlformats.org/presentationml/2006/main">
+  <p:cSld>
+    <p:spTree>
+      <p:nvGrpSpPr>
+        <p:cNvPr id="1" name=""/>
+        <p:cNvGrpSpPr/>
+        <p:nvPr/>
+      </p:nvGrpSpPr>
+      <p:grpSpPr>
+        <a:xfrm>
+          <a:off x="0" y="0"/>
+          <a:ext cx="0" cy="0"/>
+          <a:chOff x="0" y="0"/>
+          <a:chExt cx="0" cy="0"/>
+        </a:xfrm>
+      </p:grpSpPr>
+      <p:sp>
+        <p:nvSpPr>
+          <p:cNvPr id="2" name="標題 1"/>
+          <p:cNvSpPr>
+            <a:spLocks noGrp="1"/>
+          </p:cNvSpPr>
+          <p:nvPr>
+            <p:ph type="title"/>
+          </p:nvPr>
+        </p:nvSpPr>
+        <p:spPr/>
+        <p:txBody>
+          <a:bodyPr/>
+          <a:lstStyle/>
+          <a:p>
+            <a:r>
+              <a:rPr lang="en-US" altLang="zh-TW" dirty="0" smtClean="0"/>
+              <a:t>Q &amp; A</a:t>
+            </a:r>
+            <a:endParaRPr lang="zh-TW" altLang="en-US" dirty="0"/>
+          </a:p>
+        </p:txBody>
+      </p:sp>
+      <p:sp>
+        <p:nvSpPr>
+          <p:cNvPr id="3" name="內容版面配置區 2"/>
+          <p:cNvSpPr>
+            <a:spLocks noGrp="1"/>
+          </p:cNvSpPr>
+          <p:nvPr>
+            <p:ph idx="1"/>
+          </p:nvPr>
+        </p:nvSpPr>
+        <p:spPr/>
+        <p:txBody>
+          <a:bodyPr/>
+          <a:lstStyle/>
+          <a:p>
+            <a:endParaRPr lang="zh-TW" altLang="en-US"/>
+          </a:p>
+        </p:txBody>
+      </p:sp>
+    </p:spTree>
+    <p:extLst>
+      <p:ext uri="{BB962C8B-B14F-4D97-AF65-F5344CB8AC3E}">
+        <p14:creationId xmlns:p14="http://schemas.microsoft.com/office/powerpoint/2010/main" val="1234732125"/>
+      </p:ext>
+    </p:extLst>
+  </p:cSld>
+  <p:clrMapOvr>
+    <a:masterClrMapping/>
+  </p:clrMapOvr>
+</p:sld>
+</file>
+
+<file path=ppt/slides/slide11.xml><?xml version="1.0" encoding="utf-8"?>
+<p:sld xmlns:a="http://schemas.openxmlformats.org/drawingml/2006/main" xmlns:r="http://schemas.openxmlformats.org/officeDocument/2006/relationships" xmlns:p="http://schemas.openxmlformats.org/presentationml/2006/main">
+  <p:cSld>
+    <p:spTree>
+      <p:nvGrpSpPr>
+        <p:cNvPr id="1" name=""/>
+        <p:cNvGrpSpPr/>
+        <p:nvPr/>
+      </p:nvGrpSpPr>
+      <p:grpSpPr>
+        <a:xfrm>
+          <a:off x="0" y="0"/>
+          <a:ext cx="0" cy="0"/>
+          <a:chOff x="0" y="0"/>
+          <a:chExt cx="0" cy="0"/>
+        </a:xfrm>
+      </p:grpSpPr>
+      <p:sp>
+        <p:nvSpPr>
+          <p:cNvPr id="2" name="標題 1"/>
+          <p:cNvSpPr>
+            <a:spLocks noGrp="1"/>
+          </p:cNvSpPr>
+          <p:nvPr>
+            <p:ph type="title"/>
+          </p:nvPr>
+        </p:nvSpPr>
+        <p:spPr>
+          <a:xfrm>
+            <a:off x="457200" y="274638"/>
+            <a:ext cx="8229600" cy="706090"/>
+          </a:xfrm>
+        </p:spPr>
+        <p:txBody>
+          <a:bodyPr>
+            <a:normAutofit fontScale="90000"/>
+          </a:bodyPr>
+          <a:lstStyle/>
+          <a:p>
+            <a:r>
+              <a:rPr lang="en-US" altLang="zh-TW" dirty="0" smtClean="0"/>
+              <a:t>Next update</a:t>
+            </a:r>
+            <a:endParaRPr lang="zh-TW" altLang="en-US" dirty="0"/>
+          </a:p>
+        </p:txBody>
+      </p:sp>
+      <p:sp>
+        <p:nvSpPr>
+          <p:cNvPr id="3" name="內容版面配置區 2"/>
+          <p:cNvSpPr>
+            <a:spLocks noGrp="1"/>
+          </p:cNvSpPr>
+          <p:nvPr>
+            <p:ph idx="1"/>
+          </p:nvPr>
+        </p:nvSpPr>
+        <p:spPr/>
+        <p:txBody>
+          <a:bodyPr/>
+          <a:lstStyle/>
+          <a:p>
+            <a:endParaRPr lang="zh-TW" altLang="en-US" dirty="0"/>
+          </a:p>
+        </p:txBody>
+      </p:sp>
+    </p:spTree>
+    <p:extLst>
+      <p:ext uri="{BB962C8B-B14F-4D97-AF65-F5344CB8AC3E}">
+        <p14:creationId xmlns:p14="http://schemas.microsoft.com/office/powerpoint/2010/main" val="3785990368"/>
+      </p:ext>
+    </p:extLst>
+  </p:cSld>
+  <p:clrMapOvr>
+    <a:masterClrMapping/>
+  </p:clrMapOvr>
+</p:sld>
+</file>
+
 <file path=ppt/slides/slide2.xml><?xml version="1.0" encoding="utf-8"?>
 <p:sld xmlns:a="http://schemas.openxmlformats.org/drawingml/2006/main" xmlns:r="http://schemas.openxmlformats.org/officeDocument/2006/relationships" xmlns:p="http://schemas.openxmlformats.org/presentationml/2006/main">
   <p:cSld>
@@ -3877,62 +4036,249 @@
             <p:ph type="title"/>
           </p:nvPr>
         </p:nvSpPr>
-        <p:spPr>
-          <a:xfrm>
-            <a:off x="457200" y="274638"/>
-            <a:ext cx="8229600" cy="706090"/>
-          </a:xfrm>
-        </p:spPr>
+        <p:spPr/>
+        <p:txBody>
+          <a:bodyPr/>
+          <a:lstStyle/>
+          <a:p>
+            <a:r>
+              <a:rPr lang="en-US" altLang="zh-TW" dirty="0" smtClean="0"/>
+              <a:t>File Structure</a:t>
+            </a:r>
+            <a:endParaRPr lang="zh-TW" altLang="en-US" dirty="0"/>
+          </a:p>
+        </p:txBody>
+      </p:sp>
+      <p:sp>
+        <p:nvSpPr>
+          <p:cNvPr id="3" name="內容版面配置區 2"/>
+          <p:cNvSpPr>
+            <a:spLocks noGrp="1"/>
+          </p:cNvSpPr>
+          <p:nvPr>
+            <p:ph idx="1"/>
+          </p:nvPr>
+        </p:nvSpPr>
+        <p:spPr/>
         <p:txBody>
           <a:bodyPr>
-            <a:normAutofit fontScale="90000"/>
+            <a:normAutofit fontScale="85000" lnSpcReduction="20000"/>
           </a:bodyPr>
           <a:lstStyle/>
           <a:p>
-            <a:r>
-              <a:rPr lang="en-US" altLang="zh-TW" dirty="0" smtClean="0"/>
-              <a:t>Next update</a:t>
-            </a:r>
+            <a:pPr marL="0" indent="0">
+              <a:buNone/>
+            </a:pPr>
+            <a:r>
+              <a:rPr lang="en-US" altLang="zh-TW" dirty="0"/>
+              <a:t>source -- bt_hci_cmd_test_wc.py</a:t>
+            </a:r>
+          </a:p>
+          <a:p>
+            <a:pPr marL="0" indent="0">
+              <a:buNone/>
+            </a:pPr>
+            <a:r>
+              <a:rPr lang="en-US" altLang="zh-TW" dirty="0"/>
+              <a:t>      </a:t>
+            </a:r>
+            <a:r>
+              <a:rPr lang="en-US" altLang="zh-TW" dirty="0" smtClean="0"/>
+              <a:t>      </a:t>
+            </a:r>
+            <a:r>
+              <a:rPr lang="en-US" altLang="zh-TW" dirty="0"/>
+              <a:t>|- dataset -- bt_command.py</a:t>
+            </a:r>
+          </a:p>
+          <a:p>
+            <a:pPr marL="0" indent="0">
+              <a:buNone/>
+            </a:pPr>
+            <a:r>
+              <a:rPr lang="en-US" altLang="zh-TW" dirty="0"/>
+              <a:t>                      </a:t>
+            </a:r>
+            <a:r>
+              <a:rPr lang="en-US" altLang="zh-TW" dirty="0" smtClean="0"/>
+              <a:t>        |- </a:t>
+            </a:r>
+            <a:r>
+              <a:rPr lang="en-US" altLang="zh-TW" dirty="0"/>
+              <a:t>bt_command_parameter.py</a:t>
+            </a:r>
+          </a:p>
+          <a:p>
+            <a:pPr marL="0" indent="0">
+              <a:buNone/>
+            </a:pPr>
+            <a:r>
+              <a:rPr lang="en-US" altLang="zh-TW" dirty="0"/>
+              <a:t>                  </a:t>
+            </a:r>
+            <a:r>
+              <a:rPr lang="en-US" altLang="zh-TW" dirty="0" smtClean="0"/>
+              <a:t>            |- </a:t>
+            </a:r>
+            <a:r>
+              <a:rPr lang="en-US" altLang="zh-TW" dirty="0"/>
+              <a:t>bt_error.py</a:t>
+            </a:r>
+          </a:p>
+          <a:p>
+            <a:pPr marL="0" indent="0">
+              <a:buNone/>
+            </a:pPr>
+            <a:r>
+              <a:rPr lang="en-US" altLang="zh-TW" dirty="0"/>
+              <a:t>                  </a:t>
+            </a:r>
+            <a:r>
+              <a:rPr lang="en-US" altLang="zh-TW" dirty="0" smtClean="0"/>
+              <a:t>            |- </a:t>
+            </a:r>
+            <a:r>
+              <a:rPr lang="en-US" altLang="zh-TW" dirty="0"/>
+              <a:t>bt_event.py</a:t>
+            </a:r>
+          </a:p>
+          <a:p>
+            <a:pPr marL="0" indent="0">
+              <a:buNone/>
+            </a:pPr>
+            <a:r>
+              <a:rPr lang="en-US" altLang="zh-TW" dirty="0"/>
+              <a:t>      </a:t>
+            </a:r>
+            <a:r>
+              <a:rPr lang="en-US" altLang="zh-TW" dirty="0" smtClean="0"/>
+              <a:t>                        </a:t>
+            </a:r>
+            <a:r>
+              <a:rPr lang="en-US" altLang="zh-TW" dirty="0"/>
+              <a:t>|- bt_event_parameter.py</a:t>
+            </a:r>
+          </a:p>
+          <a:p>
+            <a:pPr marL="0" indent="0">
+              <a:buNone/>
+            </a:pPr>
+            <a:r>
+              <a:rPr lang="en-US" altLang="zh-TW" dirty="0"/>
+              <a:t>          </a:t>
+            </a:r>
+            <a:r>
+              <a:rPr lang="en-US" altLang="zh-TW" dirty="0" smtClean="0"/>
+              <a:t>                    </a:t>
+            </a:r>
+            <a:r>
+              <a:rPr lang="en-US" altLang="zh-TW" dirty="0"/>
+              <a:t>|- bt_hci_parameter.py</a:t>
+            </a:r>
+          </a:p>
+          <a:p>
+            <a:pPr marL="0" indent="0">
+              <a:buNone/>
+            </a:pPr>
+            <a:r>
+              <a:rPr lang="en-US" altLang="zh-TW" dirty="0"/>
+              <a:t>  </a:t>
+            </a:r>
+            <a:r>
+              <a:rPr lang="en-US" altLang="zh-TW" dirty="0" smtClean="0"/>
+              <a:t>                            </a:t>
+            </a:r>
+            <a:r>
+              <a:rPr lang="en-US" altLang="zh-TW" dirty="0"/>
+              <a:t>|- bt_packet.py</a:t>
+            </a:r>
+          </a:p>
+          <a:p>
+            <a:pPr marL="0" indent="0">
+              <a:buNone/>
+            </a:pPr>
+            <a:r>
+              <a:rPr lang="en-US" altLang="zh-TW" dirty="0"/>
+              <a:t>  </a:t>
+            </a:r>
+            <a:r>
+              <a:rPr lang="en-US" altLang="zh-TW" dirty="0" smtClean="0"/>
+              <a:t>                            </a:t>
+            </a:r>
+            <a:r>
+              <a:rPr lang="en-US" altLang="zh-TW" dirty="0"/>
+              <a:t>|- hciresponse.py</a:t>
+            </a:r>
+          </a:p>
+          <a:p>
+            <a:pPr marL="0" indent="0">
+              <a:buNone/>
+            </a:pPr>
+            <a:r>
+              <a:rPr lang="en-US" altLang="zh-TW" dirty="0" smtClean="0"/>
+              <a:t>                              </a:t>
+            </a:r>
+            <a:r>
+              <a:rPr lang="en-US" altLang="zh-TW" dirty="0"/>
+              <a:t>|- showlogo.py</a:t>
+            </a:r>
+          </a:p>
+          <a:p>
+            <a:pPr marL="0" indent="0">
+              <a:buNone/>
+            </a:pPr>
             <a:endParaRPr lang="zh-TW" altLang="en-US" dirty="0"/>
           </a:p>
         </p:txBody>
       </p:sp>
-      <p:sp>
-        <p:nvSpPr>
-          <p:cNvPr id="3" name="內容版面配置區 2"/>
-          <p:cNvSpPr>
-            <a:spLocks noGrp="1"/>
-          </p:cNvSpPr>
-          <p:nvPr>
-            <p:ph idx="1"/>
-          </p:nvPr>
-        </p:nvSpPr>
-        <p:spPr/>
-        <p:txBody>
-          <a:bodyPr/>
-          <a:lstStyle/>
-          <a:p>
-            <a:r>
-              <a:rPr lang="en-US" altLang="zh-TW" dirty="0" smtClean="0"/>
-              <a:t>Event description ex. </a:t>
-            </a:r>
-          </a:p>
-          <a:p>
-            <a:endParaRPr lang="en-US" altLang="zh-TW" dirty="0"/>
-          </a:p>
-          <a:p>
-            <a:endParaRPr lang="en-US" altLang="zh-TW" dirty="0" smtClean="0"/>
-          </a:p>
-          <a:p>
-            <a:pPr marL="0" indent="0">
-              <a:buNone/>
-            </a:pPr>
-            <a:endParaRPr lang="en-US" altLang="zh-TW" dirty="0" smtClean="0"/>
-          </a:p>
-          <a:p>
-            <a:r>
-              <a:rPr lang="en-US" altLang="zh-TW" dirty="0" smtClean="0"/>
-              <a:t>The parameter -Raw  for byte command send. </a:t>
+    </p:spTree>
+    <p:extLst>
+      <p:ext uri="{BB962C8B-B14F-4D97-AF65-F5344CB8AC3E}">
+        <p14:creationId xmlns:p14="http://schemas.microsoft.com/office/powerpoint/2010/main" val="1600671298"/>
+      </p:ext>
+    </p:extLst>
+  </p:cSld>
+  <p:clrMapOvr>
+    <a:masterClrMapping/>
+  </p:clrMapOvr>
+</p:sld>
+</file>
+
+<file path=ppt/slides/slide4.xml><?xml version="1.0" encoding="utf-8"?>
+<p:sld xmlns:a="http://schemas.openxmlformats.org/drawingml/2006/main" xmlns:r="http://schemas.openxmlformats.org/officeDocument/2006/relationships" xmlns:p="http://schemas.openxmlformats.org/presentationml/2006/main">
+  <p:cSld>
+    <p:spTree>
+      <p:nvGrpSpPr>
+        <p:cNvPr id="1" name=""/>
+        <p:cNvGrpSpPr/>
+        <p:nvPr/>
+      </p:nvGrpSpPr>
+      <p:grpSpPr>
+        <a:xfrm>
+          <a:off x="0" y="0"/>
+          <a:ext cx="0" cy="0"/>
+          <a:chOff x="0" y="0"/>
+          <a:chExt cx="0" cy="0"/>
+        </a:xfrm>
+      </p:grpSpPr>
+      <p:sp>
+        <p:nvSpPr>
+          <p:cNvPr id="2" name="標題 1"/>
+          <p:cNvSpPr>
+            <a:spLocks noGrp="1"/>
+          </p:cNvSpPr>
+          <p:nvPr>
+            <p:ph type="title"/>
+          </p:nvPr>
+        </p:nvSpPr>
+        <p:spPr/>
+        <p:txBody>
+          <a:bodyPr/>
+          <a:lstStyle/>
+          <a:p>
+            <a:r>
+              <a:rPr lang="en-US" altLang="zh-TW" dirty="0" smtClean="0"/>
+              <a:t>Parameter - [h], [--help]</a:t>
             </a:r>
             <a:endParaRPr lang="zh-TW" altLang="en-US" dirty="0"/>
           </a:p>
@@ -3940,11 +4286,13 @@
       </p:sp>
       <p:pic>
         <p:nvPicPr>
-          <p:cNvPr id="5" name="圖片 4"/>
+          <p:cNvPr id="4" name="內容版面配置區 3"/>
           <p:cNvPicPr>
-            <a:picLocks noChangeAspect="1"/>
+            <a:picLocks noGrp="1" noChangeAspect="1"/>
           </p:cNvPicPr>
-          <p:nvPr/>
+          <p:nvPr>
+            <p:ph idx="1"/>
+          </p:nvPr>
         </p:nvPicPr>
         <p:blipFill>
           <a:blip r:embed="rId2">
@@ -3960,18 +4308,891 @@
         </p:blipFill>
         <p:spPr>
           <a:xfrm>
-            <a:off x="899592" y="2181050"/>
-            <a:ext cx="5973009" cy="1247949"/>
+            <a:off x="457200" y="2415907"/>
+            <a:ext cx="8229600" cy="2894549"/>
+          </a:xfrm>
+        </p:spPr>
+      </p:pic>
+    </p:spTree>
+    <p:extLst>
+      <p:ext uri="{BB962C8B-B14F-4D97-AF65-F5344CB8AC3E}">
+        <p14:creationId xmlns:p14="http://schemas.microsoft.com/office/powerpoint/2010/main" val="1084037914"/>
+      </p:ext>
+    </p:extLst>
+  </p:cSld>
+  <p:clrMapOvr>
+    <a:masterClrMapping/>
+  </p:clrMapOvr>
+</p:sld>
+</file>
+
+<file path=ppt/slides/slide5.xml><?xml version="1.0" encoding="utf-8"?>
+<p:sld xmlns:a="http://schemas.openxmlformats.org/drawingml/2006/main" xmlns:r="http://schemas.openxmlformats.org/officeDocument/2006/relationships" xmlns:p="http://schemas.openxmlformats.org/presentationml/2006/main">
+  <p:cSld>
+    <p:spTree>
+      <p:nvGrpSpPr>
+        <p:cNvPr id="1" name=""/>
+        <p:cNvGrpSpPr/>
+        <p:nvPr/>
+      </p:nvGrpSpPr>
+      <p:grpSpPr>
+        <a:xfrm>
+          <a:off x="0" y="0"/>
+          <a:ext cx="0" cy="0"/>
+          <a:chOff x="0" y="0"/>
+          <a:chExt cx="0" cy="0"/>
+        </a:xfrm>
+      </p:grpSpPr>
+      <p:sp>
+        <p:nvSpPr>
+          <p:cNvPr id="2" name="標題 1"/>
+          <p:cNvSpPr>
+            <a:spLocks noGrp="1"/>
+          </p:cNvSpPr>
+          <p:nvPr>
+            <p:ph type="title"/>
+          </p:nvPr>
+        </p:nvSpPr>
+        <p:spPr/>
+        <p:txBody>
+          <a:bodyPr/>
+          <a:lstStyle/>
+          <a:p>
+            <a:r>
+              <a:rPr lang="en-US" altLang="zh-TW" dirty="0" smtClean="0"/>
+              <a:t>Raw reference - Parameters</a:t>
+            </a:r>
+            <a:endParaRPr lang="zh-TW" altLang="en-US" dirty="0"/>
+          </a:p>
+        </p:txBody>
+      </p:sp>
+      <p:sp>
+        <p:nvSpPr>
+          <p:cNvPr id="3" name="內容版面配置區 2"/>
+          <p:cNvSpPr>
+            <a:spLocks noGrp="1"/>
+          </p:cNvSpPr>
+          <p:nvPr>
+            <p:ph idx="1"/>
+          </p:nvPr>
+        </p:nvSpPr>
+        <p:spPr/>
+        <p:txBody>
+          <a:bodyPr/>
+          <a:lstStyle/>
+          <a:p>
+            <a:r>
+              <a:rPr lang="en-US" altLang="zh-TW" dirty="0"/>
+              <a:t>--raw [RAW_DATA [RAW_DATA </a:t>
+            </a:r>
+            <a:r>
+              <a:rPr lang="en-US" altLang="zh-TW" dirty="0" smtClean="0"/>
+              <a:t>...]]                        </a:t>
+            </a:r>
+            <a:r>
+              <a:rPr lang="en-US" altLang="zh-TW" dirty="0"/>
+              <a:t>Using command with raw data.</a:t>
+            </a:r>
+          </a:p>
+          <a:p>
+            <a:r>
+              <a:rPr lang="en-US" altLang="zh-TW" dirty="0" smtClean="0"/>
+              <a:t>--</a:t>
+            </a:r>
+            <a:r>
+              <a:rPr lang="en-US" altLang="zh-TW" dirty="0"/>
+              <a:t>com COM_PORT        COM </a:t>
+            </a:r>
+            <a:r>
+              <a:rPr lang="en-US" altLang="zh-TW" dirty="0" smtClean="0"/>
+              <a:t>Port</a:t>
+            </a:r>
+          </a:p>
+          <a:p>
+            <a:r>
+              <a:rPr lang="en-US" altLang="zh-TW" dirty="0"/>
+              <a:t>--</a:t>
+            </a:r>
+            <a:r>
+              <a:rPr lang="en-US" altLang="zh-TW" dirty="0" err="1"/>
+              <a:t>baudrate</a:t>
+            </a:r>
+            <a:r>
+              <a:rPr lang="en-US" altLang="zh-TW" dirty="0"/>
+              <a:t> BAUD_RATE  </a:t>
+            </a:r>
+            <a:r>
+              <a:rPr lang="en-US" altLang="zh-TW" dirty="0" err="1" smtClean="0"/>
+              <a:t>Baudrate</a:t>
+            </a:r>
+            <a:endParaRPr lang="en-US" altLang="zh-TW" dirty="0" smtClean="0"/>
+          </a:p>
+          <a:p>
+            <a:r>
+              <a:rPr lang="en-US" altLang="zh-TW" dirty="0"/>
+              <a:t> --delay </a:t>
+            </a:r>
+            <a:r>
+              <a:rPr lang="en-US" altLang="zh-TW" dirty="0" smtClean="0"/>
+              <a:t>DELAY_DURATION                             </a:t>
+            </a:r>
+            <a:r>
+              <a:rPr lang="en-US" altLang="zh-TW" dirty="0"/>
+              <a:t>Scan event </a:t>
+            </a:r>
+            <a:r>
+              <a:rPr lang="en-US" altLang="zh-TW" dirty="0" smtClean="0"/>
+              <a:t>timer</a:t>
+            </a:r>
+          </a:p>
+          <a:p>
+            <a:r>
+              <a:rPr lang="en-US" altLang="zh-TW" dirty="0"/>
+              <a:t> -d, --display         </a:t>
+            </a:r>
+            <a:r>
+              <a:rPr lang="en-US" altLang="zh-TW" dirty="0" err="1"/>
+              <a:t>Display</a:t>
+            </a:r>
+            <a:r>
+              <a:rPr lang="en-US" altLang="zh-TW" dirty="0"/>
+              <a:t> PDU Data</a:t>
+            </a:r>
+            <a:endParaRPr lang="zh-TW" altLang="en-US" dirty="0"/>
+          </a:p>
+        </p:txBody>
+      </p:sp>
+    </p:spTree>
+    <p:extLst>
+      <p:ext uri="{BB962C8B-B14F-4D97-AF65-F5344CB8AC3E}">
+        <p14:creationId xmlns:p14="http://schemas.microsoft.com/office/powerpoint/2010/main" val="2417590673"/>
+      </p:ext>
+    </p:extLst>
+  </p:cSld>
+  <p:clrMapOvr>
+    <a:masterClrMapping/>
+  </p:clrMapOvr>
+</p:sld>
+</file>
+
+<file path=ppt/slides/slide6.xml><?xml version="1.0" encoding="utf-8"?>
+<p:sld xmlns:a="http://schemas.openxmlformats.org/drawingml/2006/main" xmlns:r="http://schemas.openxmlformats.org/officeDocument/2006/relationships" xmlns:p="http://schemas.openxmlformats.org/presentationml/2006/main">
+  <p:cSld>
+    <p:spTree>
+      <p:nvGrpSpPr>
+        <p:cNvPr id="1" name=""/>
+        <p:cNvGrpSpPr/>
+        <p:nvPr/>
+      </p:nvGrpSpPr>
+      <p:grpSpPr>
+        <a:xfrm>
+          <a:off x="0" y="0"/>
+          <a:ext cx="0" cy="0"/>
+          <a:chOff x="0" y="0"/>
+          <a:chExt cx="0" cy="0"/>
+        </a:xfrm>
+      </p:grpSpPr>
+      <p:sp>
+        <p:nvSpPr>
+          <p:cNvPr id="2" name="標題 1"/>
+          <p:cNvSpPr>
+            <a:spLocks noGrp="1"/>
+          </p:cNvSpPr>
+          <p:nvPr>
+            <p:ph type="title"/>
+          </p:nvPr>
+        </p:nvSpPr>
+        <p:spPr/>
+        <p:txBody>
+          <a:bodyPr/>
+          <a:lstStyle/>
+          <a:p>
+            <a:r>
+              <a:rPr lang="en-US" altLang="zh-TW" dirty="0" smtClean="0"/>
+              <a:t>Example-Read BD </a:t>
+            </a:r>
+            <a:r>
+              <a:rPr lang="en-US" altLang="zh-TW" dirty="0" err="1" smtClean="0"/>
+              <a:t>Addr</a:t>
+            </a:r>
+            <a:endParaRPr lang="zh-TW" altLang="en-US" dirty="0"/>
+          </a:p>
+        </p:txBody>
+      </p:sp>
+      <p:pic>
+        <p:nvPicPr>
+          <p:cNvPr id="4" name="內容版面配置區 3"/>
+          <p:cNvPicPr>
+            <a:picLocks noGrp="1" noChangeAspect="1"/>
+          </p:cNvPicPr>
+          <p:nvPr>
+            <p:ph idx="1"/>
+          </p:nvPr>
+        </p:nvPicPr>
+        <p:blipFill>
+          <a:blip r:embed="rId2">
+            <a:extLst>
+              <a:ext uri="{28A0092B-C50C-407E-A947-70E740481C1C}">
+                <a14:useLocalDpi xmlns:a14="http://schemas.microsoft.com/office/drawing/2010/main" val="0"/>
+              </a:ext>
+            </a:extLst>
+          </a:blip>
+          <a:stretch>
+            <a:fillRect/>
+          </a:stretch>
+        </p:blipFill>
+        <p:spPr>
+          <a:xfrm>
+            <a:off x="856731" y="1729283"/>
+            <a:ext cx="7430537" cy="4267796"/>
+          </a:xfrm>
+        </p:spPr>
+      </p:pic>
+      <p:sp>
+        <p:nvSpPr>
+          <p:cNvPr id="6" name="矩形 5"/>
+          <p:cNvSpPr/>
+          <p:nvPr/>
+        </p:nvSpPr>
+        <p:spPr>
+          <a:xfrm>
+            <a:off x="899592" y="1268760"/>
+            <a:ext cx="4354269" cy="369332"/>
           </a:xfrm>
           <a:prstGeom prst="rect">
             <a:avLst/>
           </a:prstGeom>
         </p:spPr>
-      </p:pic>
+        <p:txBody>
+          <a:bodyPr wrap="none">
+            <a:spAutoFit/>
+          </a:bodyPr>
+          <a:lstStyle/>
+          <a:p>
+            <a:r>
+              <a:rPr lang="en-US" altLang="zh-TW" dirty="0"/>
+              <a:t>bt_hci_cmd_test_wc.py --raw 01 09 10 00 -d</a:t>
+            </a:r>
+            <a:endParaRPr lang="zh-TW" altLang="en-US" dirty="0"/>
+          </a:p>
+        </p:txBody>
+      </p:sp>
     </p:spTree>
     <p:extLst>
       <p:ext uri="{BB962C8B-B14F-4D97-AF65-F5344CB8AC3E}">
-        <p14:creationId xmlns:p14="http://schemas.microsoft.com/office/powerpoint/2010/main" val="3533529638"/>
+        <p14:creationId xmlns:p14="http://schemas.microsoft.com/office/powerpoint/2010/main" val="2903678939"/>
+      </p:ext>
+    </p:extLst>
+  </p:cSld>
+  <p:clrMapOvr>
+    <a:masterClrMapping/>
+  </p:clrMapOvr>
+</p:sld>
+</file>
+
+<file path=ppt/slides/slide7.xml><?xml version="1.0" encoding="utf-8"?>
+<p:sld xmlns:a="http://schemas.openxmlformats.org/drawingml/2006/main" xmlns:r="http://schemas.openxmlformats.org/officeDocument/2006/relationships" xmlns:p="http://schemas.openxmlformats.org/presentationml/2006/main">
+  <p:cSld>
+    <p:spTree>
+      <p:nvGrpSpPr>
+        <p:cNvPr id="1" name=""/>
+        <p:cNvGrpSpPr/>
+        <p:nvPr/>
+      </p:nvGrpSpPr>
+      <p:grpSpPr>
+        <a:xfrm>
+          <a:off x="0" y="0"/>
+          <a:ext cx="0" cy="0"/>
+          <a:chOff x="0" y="0"/>
+          <a:chExt cx="0" cy="0"/>
+        </a:xfrm>
+      </p:grpSpPr>
+      <p:sp>
+        <p:nvSpPr>
+          <p:cNvPr id="2" name="標題 1"/>
+          <p:cNvSpPr>
+            <a:spLocks noGrp="1"/>
+          </p:cNvSpPr>
+          <p:nvPr>
+            <p:ph type="title"/>
+          </p:nvPr>
+        </p:nvSpPr>
+        <p:spPr/>
+        <p:txBody>
+          <a:bodyPr/>
+          <a:lstStyle/>
+          <a:p>
+            <a:r>
+              <a:rPr lang="en-US" altLang="zh-TW" dirty="0" smtClean="0"/>
+              <a:t>Test Loop Script</a:t>
+            </a:r>
+            <a:endParaRPr lang="zh-TW" altLang="en-US" dirty="0"/>
+          </a:p>
+        </p:txBody>
+      </p:sp>
+      <p:sp>
+        <p:nvSpPr>
+          <p:cNvPr id="3" name="內容版面配置區 2"/>
+          <p:cNvSpPr>
+            <a:spLocks noGrp="1"/>
+          </p:cNvSpPr>
+          <p:nvPr>
+            <p:ph idx="1"/>
+          </p:nvPr>
+        </p:nvSpPr>
+        <p:spPr/>
+        <p:txBody>
+          <a:bodyPr/>
+          <a:lstStyle/>
+          <a:p>
+            <a:r>
+              <a:rPr lang="en-US" altLang="zh-TW" dirty="0" smtClean="0"/>
+              <a:t>ti_schedule_xxtest.bat (outside)</a:t>
+            </a:r>
+          </a:p>
+          <a:p>
+            <a:pPr lvl="1"/>
+            <a:r>
+              <a:rPr lang="en-US" altLang="zh-TW" dirty="0" smtClean="0"/>
+              <a:t>Parameter %1: initial step first (1: do </a:t>
+            </a:r>
+            <a:r>
+              <a:rPr lang="en-US" altLang="zh-TW" dirty="0" err="1" smtClean="0"/>
+              <a:t>init</a:t>
+            </a:r>
+            <a:r>
+              <a:rPr lang="en-US" altLang="zh-TW" dirty="0" smtClean="0"/>
+              <a:t>, 0: not do) </a:t>
+            </a:r>
+          </a:p>
+          <a:p>
+            <a:pPr lvl="1"/>
+            <a:r>
+              <a:rPr lang="en-US" altLang="zh-TW" dirty="0" smtClean="0"/>
+              <a:t>Example: (CMD) ti_schedule_xxtest.bat 0</a:t>
+            </a:r>
+          </a:p>
+          <a:p>
+            <a:r>
+              <a:rPr lang="en-US" altLang="zh-TW" dirty="0" smtClean="0"/>
+              <a:t>ti_schedule_xxtest.bat (inside)</a:t>
+            </a:r>
+          </a:p>
+          <a:p>
+            <a:pPr lvl="1"/>
+            <a:r>
+              <a:rPr lang="en-US" altLang="zh-TW" dirty="0" smtClean="0"/>
+              <a:t>Parameter %2: Start Step</a:t>
+            </a:r>
+          </a:p>
+          <a:p>
+            <a:pPr lvl="2"/>
+            <a:r>
+              <a:rPr lang="en-US" altLang="zh-TW" dirty="0"/>
+              <a:t>Same as </a:t>
+            </a:r>
+            <a:r>
+              <a:rPr lang="en-US" altLang="zh-TW" dirty="0" smtClean="0"/>
+              <a:t>%</a:t>
+            </a:r>
+            <a:r>
+              <a:rPr lang="en-US" altLang="zh-TW" dirty="0" err="1" smtClean="0"/>
+              <a:t>two_pos</a:t>
+            </a:r>
+            <a:r>
+              <a:rPr lang="en-US" altLang="zh-TW" dirty="0" smtClean="0"/>
+              <a:t>%</a:t>
+            </a:r>
+          </a:p>
+          <a:p>
+            <a:pPr lvl="1"/>
+            <a:r>
+              <a:rPr lang="en-US" altLang="zh-TW" dirty="0" smtClean="0"/>
+              <a:t>Parameter %3: End Step</a:t>
+            </a:r>
+          </a:p>
+          <a:p>
+            <a:pPr lvl="2"/>
+            <a:r>
+              <a:rPr lang="en-US" altLang="zh-TW" dirty="0"/>
+              <a:t>Same as % </a:t>
+            </a:r>
+            <a:r>
+              <a:rPr lang="en-US" altLang="zh-TW" dirty="0" err="1" smtClean="0"/>
+              <a:t>three_pos</a:t>
+            </a:r>
+            <a:r>
+              <a:rPr lang="en-US" altLang="zh-TW" dirty="0" smtClean="0"/>
+              <a:t>% </a:t>
+            </a:r>
+          </a:p>
+        </p:txBody>
+      </p:sp>
+    </p:spTree>
+    <p:extLst>
+      <p:ext uri="{BB962C8B-B14F-4D97-AF65-F5344CB8AC3E}">
+        <p14:creationId xmlns:p14="http://schemas.microsoft.com/office/powerpoint/2010/main" val="1194703474"/>
+      </p:ext>
+    </p:extLst>
+  </p:cSld>
+  <p:clrMapOvr>
+    <a:masterClrMapping/>
+  </p:clrMapOvr>
+</p:sld>
+</file>
+
+<file path=ppt/slides/slide8.xml><?xml version="1.0" encoding="utf-8"?>
+<p:sld xmlns:a="http://schemas.openxmlformats.org/drawingml/2006/main" xmlns:r="http://schemas.openxmlformats.org/officeDocument/2006/relationships" xmlns:p="http://schemas.openxmlformats.org/presentationml/2006/main">
+  <p:cSld>
+    <p:spTree>
+      <p:nvGrpSpPr>
+        <p:cNvPr id="1" name=""/>
+        <p:cNvGrpSpPr/>
+        <p:nvPr/>
+      </p:nvGrpSpPr>
+      <p:grpSpPr>
+        <a:xfrm>
+          <a:off x="0" y="0"/>
+          <a:ext cx="0" cy="0"/>
+          <a:chOff x="0" y="0"/>
+          <a:chExt cx="0" cy="0"/>
+        </a:xfrm>
+      </p:grpSpPr>
+      <p:sp>
+        <p:nvSpPr>
+          <p:cNvPr id="2" name="標題 1"/>
+          <p:cNvSpPr>
+            <a:spLocks noGrp="1"/>
+          </p:cNvSpPr>
+          <p:nvPr>
+            <p:ph type="title"/>
+          </p:nvPr>
+        </p:nvSpPr>
+        <p:spPr/>
+        <p:txBody>
+          <a:bodyPr/>
+          <a:lstStyle/>
+          <a:p>
+            <a:r>
+              <a:rPr lang="en-US" altLang="zh-TW" dirty="0" smtClean="0"/>
+              <a:t>How to create new test</a:t>
+            </a:r>
+            <a:endParaRPr lang="zh-TW" altLang="en-US" dirty="0"/>
+          </a:p>
+        </p:txBody>
+      </p:sp>
+      <p:sp>
+        <p:nvSpPr>
+          <p:cNvPr id="3" name="內容版面配置區 2"/>
+          <p:cNvSpPr>
+            <a:spLocks noGrp="1"/>
+          </p:cNvSpPr>
+          <p:nvPr>
+            <p:ph idx="1"/>
+          </p:nvPr>
+        </p:nvSpPr>
+        <p:spPr/>
+        <p:txBody>
+          <a:bodyPr>
+            <a:normAutofit lnSpcReduction="10000"/>
+          </a:bodyPr>
+          <a:lstStyle/>
+          <a:p>
+            <a:r>
+              <a:rPr lang="en-US" altLang="zh-TW" dirty="0" smtClean="0"/>
+              <a:t>Create a patch file (*.bat)</a:t>
+            </a:r>
+          </a:p>
+          <a:p>
+            <a:r>
+              <a:rPr lang="en-US" altLang="zh-TW" dirty="0" smtClean="0"/>
+              <a:t>Add the Line: (</a:t>
+            </a:r>
+            <a:r>
+              <a:rPr lang="en-US" altLang="zh-TW" dirty="0"/>
+              <a:t>refer </a:t>
+            </a:r>
+            <a:r>
+              <a:rPr lang="en-US" altLang="zh-TW" dirty="0" smtClean="0"/>
+              <a:t>ti_readbda.bat)</a:t>
+            </a:r>
+          </a:p>
+          <a:p>
+            <a:r>
+              <a:rPr lang="en-US" altLang="zh-TW" dirty="0" smtClean="0"/>
+              <a:t>Update </a:t>
+            </a:r>
+            <a:r>
+              <a:rPr lang="en-US" altLang="zh-TW" dirty="0" err="1" smtClean="0"/>
+              <a:t>goto</a:t>
+            </a:r>
+            <a:r>
+              <a:rPr lang="en-US" altLang="zh-TW" dirty="0" smtClean="0"/>
+              <a:t> section</a:t>
+            </a:r>
+          </a:p>
+          <a:p>
+            <a:pPr lvl="1"/>
+            <a:r>
+              <a:rPr lang="en-US" altLang="zh-TW" dirty="0" smtClean="0"/>
+              <a:t> </a:t>
+            </a:r>
+            <a:r>
+              <a:rPr lang="en-US" altLang="zh-TW" dirty="0" smtClean="0">
+                <a:solidFill>
+                  <a:srgbClr val="FF0000"/>
+                </a:solidFill>
+              </a:rPr>
+              <a:t>:</a:t>
+            </a:r>
+            <a:r>
+              <a:rPr lang="en-US" altLang="zh-TW" dirty="0" err="1" smtClean="0">
+                <a:solidFill>
+                  <a:srgbClr val="FF0000"/>
+                </a:solidFill>
+              </a:rPr>
+              <a:t>newtest</a:t>
+            </a:r>
+            <a:r>
+              <a:rPr lang="en-US" altLang="zh-TW" dirty="0" smtClean="0"/>
+              <a:t> </a:t>
+            </a:r>
+            <a:endParaRPr lang="en-US" altLang="zh-TW" dirty="0"/>
+          </a:p>
+          <a:p>
+            <a:pPr lvl="1"/>
+            <a:r>
+              <a:rPr lang="en-US" altLang="zh-TW" dirty="0"/>
+              <a:t> if %1a==a </a:t>
+            </a:r>
+            <a:r>
+              <a:rPr lang="en-US" altLang="zh-TW" dirty="0" err="1"/>
+              <a:t>goto</a:t>
+            </a:r>
+            <a:r>
+              <a:rPr lang="en-US" altLang="zh-TW" dirty="0"/>
+              <a:t> </a:t>
+            </a:r>
+            <a:r>
+              <a:rPr lang="en-US" altLang="zh-TW" dirty="0" err="1">
+                <a:solidFill>
+                  <a:srgbClr val="FF0000"/>
+                </a:solidFill>
+              </a:rPr>
+              <a:t>rbdaddr</a:t>
+            </a:r>
+            <a:r>
+              <a:rPr lang="en-US" altLang="zh-TW" dirty="0"/>
+              <a:t> </a:t>
+            </a:r>
+            <a:r>
+              <a:rPr lang="en-US" altLang="zh-TW" dirty="0" smtClean="0"/>
+              <a:t>  </a:t>
+            </a:r>
+          </a:p>
+          <a:p>
+            <a:r>
+              <a:rPr lang="en-US" altLang="zh-TW" dirty="0" smtClean="0"/>
+              <a:t>Add the raw data and parameter (python) for the new test</a:t>
+            </a:r>
+          </a:p>
+          <a:p>
+            <a:pPr lvl="1"/>
+            <a:r>
+              <a:rPr lang="en-US" altLang="zh-TW" dirty="0"/>
+              <a:t>%cmdpath%\bt_hci_cmd_test_wc.py --raw </a:t>
+            </a:r>
+            <a:r>
+              <a:rPr lang="en-US" altLang="zh-TW" dirty="0" smtClean="0">
+                <a:solidFill>
+                  <a:srgbClr val="FF0000"/>
+                </a:solidFill>
+              </a:rPr>
+              <a:t>xx </a:t>
+            </a:r>
+            <a:r>
+              <a:rPr lang="en-US" altLang="zh-TW" dirty="0" err="1" smtClean="0">
+                <a:solidFill>
+                  <a:srgbClr val="FF0000"/>
+                </a:solidFill>
+              </a:rPr>
+              <a:t>xx</a:t>
+            </a:r>
+            <a:r>
+              <a:rPr lang="en-US" altLang="zh-TW" dirty="0" smtClean="0">
+                <a:solidFill>
+                  <a:srgbClr val="FF0000"/>
+                </a:solidFill>
+              </a:rPr>
+              <a:t> </a:t>
+            </a:r>
+            <a:r>
+              <a:rPr lang="en-US" altLang="zh-TW" dirty="0" err="1" smtClean="0">
+                <a:solidFill>
+                  <a:srgbClr val="FF0000"/>
+                </a:solidFill>
+              </a:rPr>
+              <a:t>xx</a:t>
+            </a:r>
+            <a:r>
+              <a:rPr lang="en-US" altLang="zh-TW" dirty="0" smtClean="0">
+                <a:solidFill>
+                  <a:srgbClr val="FF0000"/>
+                </a:solidFill>
+              </a:rPr>
+              <a:t> xx….</a:t>
+            </a:r>
+            <a:r>
+              <a:rPr lang="en-US" altLang="zh-TW" dirty="0" smtClean="0"/>
+              <a:t> </a:t>
+            </a:r>
+            <a:r>
+              <a:rPr lang="en-US" altLang="zh-TW" dirty="0">
+                <a:solidFill>
+                  <a:srgbClr val="FF0000"/>
+                </a:solidFill>
+              </a:rPr>
+              <a:t>-d</a:t>
+            </a:r>
+          </a:p>
+          <a:p>
+            <a:pPr lvl="1"/>
+            <a:endParaRPr lang="zh-TW" altLang="en-US" dirty="0"/>
+          </a:p>
+        </p:txBody>
+      </p:sp>
+    </p:spTree>
+    <p:extLst>
+      <p:ext uri="{BB962C8B-B14F-4D97-AF65-F5344CB8AC3E}">
+        <p14:creationId xmlns:p14="http://schemas.microsoft.com/office/powerpoint/2010/main" val="2465807359"/>
+      </p:ext>
+    </p:extLst>
+  </p:cSld>
+  <p:clrMapOvr>
+    <a:masterClrMapping/>
+  </p:clrMapOvr>
+</p:sld>
+</file>
+
+<file path=ppt/slides/slide9.xml><?xml version="1.0" encoding="utf-8"?>
+<p:sld xmlns:a="http://schemas.openxmlformats.org/drawingml/2006/main" xmlns:r="http://schemas.openxmlformats.org/officeDocument/2006/relationships" xmlns:p="http://schemas.openxmlformats.org/presentationml/2006/main">
+  <p:cSld>
+    <p:spTree>
+      <p:nvGrpSpPr>
+        <p:cNvPr id="1" name=""/>
+        <p:cNvGrpSpPr/>
+        <p:nvPr/>
+      </p:nvGrpSpPr>
+      <p:grpSpPr>
+        <a:xfrm>
+          <a:off x="0" y="0"/>
+          <a:ext cx="0" cy="0"/>
+          <a:chOff x="0" y="0"/>
+          <a:chExt cx="0" cy="0"/>
+        </a:xfrm>
+      </p:grpSpPr>
+      <p:sp>
+        <p:nvSpPr>
+          <p:cNvPr id="2" name="標題 1"/>
+          <p:cNvSpPr>
+            <a:spLocks noGrp="1"/>
+          </p:cNvSpPr>
+          <p:nvPr>
+            <p:ph type="title"/>
+          </p:nvPr>
+        </p:nvSpPr>
+        <p:spPr/>
+        <p:txBody>
+          <a:bodyPr/>
+          <a:lstStyle/>
+          <a:p>
+            <a:r>
+              <a:rPr lang="en-US" altLang="zh-TW" dirty="0" smtClean="0"/>
+              <a:t>How to add test in loop</a:t>
+            </a:r>
+            <a:endParaRPr lang="zh-TW" altLang="en-US" dirty="0"/>
+          </a:p>
+        </p:txBody>
+      </p:sp>
+      <p:sp>
+        <p:nvSpPr>
+          <p:cNvPr id="3" name="內容版面配置區 2"/>
+          <p:cNvSpPr>
+            <a:spLocks noGrp="1"/>
+          </p:cNvSpPr>
+          <p:nvPr>
+            <p:ph idx="1"/>
+          </p:nvPr>
+        </p:nvSpPr>
+        <p:spPr/>
+        <p:txBody>
+          <a:bodyPr/>
+          <a:lstStyle/>
+          <a:p>
+            <a:r>
+              <a:rPr lang="en-US" altLang="zh-TW" dirty="0" smtClean="0"/>
+              <a:t> Update step number (ex. step7)</a:t>
+            </a:r>
+          </a:p>
+          <a:p>
+            <a:pPr lvl="1"/>
+            <a:r>
+              <a:rPr lang="en-US" altLang="zh-TW" dirty="0">
+                <a:solidFill>
+                  <a:srgbClr val="FF0000"/>
+                </a:solidFill>
+              </a:rPr>
+              <a:t>if %</a:t>
+            </a:r>
+            <a:r>
+              <a:rPr lang="en-US" altLang="zh-TW" dirty="0" err="1">
+                <a:solidFill>
+                  <a:srgbClr val="FF0000"/>
+                </a:solidFill>
+              </a:rPr>
+              <a:t>two_pos</a:t>
+            </a:r>
+            <a:r>
+              <a:rPr lang="en-US" altLang="zh-TW" dirty="0">
+                <a:solidFill>
+                  <a:srgbClr val="FF0000"/>
+                </a:solidFill>
+              </a:rPr>
+              <a:t>% == </a:t>
+            </a:r>
+            <a:r>
+              <a:rPr lang="en-US" altLang="zh-TW" dirty="0" smtClean="0">
+                <a:solidFill>
+                  <a:srgbClr val="FF0000"/>
+                </a:solidFill>
+              </a:rPr>
+              <a:t>7 </a:t>
+            </a:r>
+            <a:r>
+              <a:rPr lang="en-US" altLang="zh-TW" dirty="0" err="1" smtClean="0">
+                <a:solidFill>
+                  <a:srgbClr val="FF0000"/>
+                </a:solidFill>
+              </a:rPr>
+              <a:t>goto</a:t>
+            </a:r>
+            <a:r>
+              <a:rPr lang="en-US" altLang="zh-TW" dirty="0" smtClean="0">
+                <a:solidFill>
+                  <a:srgbClr val="FF0000"/>
+                </a:solidFill>
+              </a:rPr>
+              <a:t> step7</a:t>
+            </a:r>
+          </a:p>
+          <a:p>
+            <a:r>
+              <a:rPr lang="en-US" altLang="zh-TW" dirty="0" smtClean="0"/>
+              <a:t>Add </a:t>
+            </a:r>
+            <a:r>
+              <a:rPr lang="en-US" altLang="zh-TW" dirty="0" err="1" smtClean="0"/>
+              <a:t>Goto</a:t>
+            </a:r>
+            <a:r>
+              <a:rPr lang="en-US" altLang="zh-TW" dirty="0" smtClean="0"/>
+              <a:t> section: </a:t>
+            </a:r>
+          </a:p>
+          <a:p>
+            <a:pPr lvl="1"/>
+            <a:r>
+              <a:rPr lang="en-US" altLang="zh-TW" dirty="0" smtClean="0">
+                <a:solidFill>
+                  <a:srgbClr val="FF0000"/>
+                </a:solidFill>
+              </a:rPr>
+              <a:t>:step7</a:t>
+            </a:r>
+          </a:p>
+          <a:p>
+            <a:pPr lvl="1"/>
+            <a:r>
+              <a:rPr lang="en-US" altLang="zh-TW" dirty="0" smtClean="0"/>
+              <a:t>Then add the test item shell( </a:t>
+            </a:r>
+            <a:r>
+              <a:rPr lang="en-US" altLang="zh-TW" dirty="0" smtClean="0">
+                <a:solidFill>
+                  <a:srgbClr val="FF0000"/>
+                </a:solidFill>
+              </a:rPr>
+              <a:t>*.bat</a:t>
+            </a:r>
+            <a:r>
+              <a:rPr lang="en-US" altLang="zh-TW" dirty="0" smtClean="0"/>
+              <a:t>)</a:t>
+            </a:r>
+          </a:p>
+          <a:p>
+            <a:r>
+              <a:rPr lang="en-US" altLang="zh-TW" dirty="0" smtClean="0"/>
+              <a:t>Change Step number for last step</a:t>
+            </a:r>
+          </a:p>
+          <a:p>
+            <a:pPr lvl="1"/>
+            <a:r>
+              <a:rPr lang="en-US" altLang="zh-TW" dirty="0"/>
+              <a:t>ti_schedule_init.bat 1 1 </a:t>
+            </a:r>
+            <a:r>
+              <a:rPr lang="en-US" altLang="zh-TW" dirty="0" smtClean="0">
+                <a:solidFill>
+                  <a:srgbClr val="FF0000"/>
+                </a:solidFill>
+              </a:rPr>
+              <a:t>7</a:t>
+            </a:r>
+            <a:r>
+              <a:rPr lang="en-US" altLang="zh-TW" dirty="0" smtClean="0"/>
+              <a:t> </a:t>
+            </a:r>
+            <a:r>
+              <a:rPr lang="en-US" altLang="zh-TW" dirty="0" err="1" smtClean="0"/>
+              <a:t>ti_schedule_xxtest</a:t>
+            </a:r>
+            <a:endParaRPr lang="en-US" altLang="zh-TW" dirty="0" smtClean="0"/>
+          </a:p>
+          <a:p>
+            <a:pPr lvl="1"/>
+            <a:r>
+              <a:rPr lang="en-US" altLang="zh-TW" dirty="0"/>
+              <a:t>SET /a </a:t>
+            </a:r>
+            <a:r>
+              <a:rPr lang="en-US" altLang="zh-TW" dirty="0" err="1"/>
+              <a:t>three_pos</a:t>
+            </a:r>
+            <a:r>
+              <a:rPr lang="en-US" altLang="zh-TW" dirty="0"/>
+              <a:t> = </a:t>
+            </a:r>
+            <a:r>
+              <a:rPr lang="en-US" altLang="zh-TW" dirty="0" smtClean="0">
+                <a:solidFill>
+                  <a:srgbClr val="FF0000"/>
+                </a:solidFill>
+              </a:rPr>
+              <a:t>7</a:t>
+            </a:r>
+            <a:endParaRPr lang="zh-TW" altLang="en-US" dirty="0">
+              <a:solidFill>
+                <a:srgbClr val="FF0000"/>
+              </a:solidFill>
+            </a:endParaRPr>
+          </a:p>
+        </p:txBody>
+      </p:sp>
+    </p:spTree>
+    <p:extLst>
+      <p:ext uri="{BB962C8B-B14F-4D97-AF65-F5344CB8AC3E}">
+        <p14:creationId xmlns:p14="http://schemas.microsoft.com/office/powerpoint/2010/main" val="1612107060"/>
       </p:ext>
     </p:extLst>
   </p:cSld>

--- a/doc/structure.pptx
+++ b/doc/structure.pptx
@@ -14,8 +14,11 @@
     <p:sldId id="262" r:id="rId8"/>
     <p:sldId id="269" r:id="rId9"/>
     <p:sldId id="266" r:id="rId10"/>
-    <p:sldId id="268" r:id="rId11"/>
-    <p:sldId id="267" r:id="rId12"/>
+    <p:sldId id="270" r:id="rId11"/>
+    <p:sldId id="271" r:id="rId12"/>
+    <p:sldId id="272" r:id="rId13"/>
+    <p:sldId id="268" r:id="rId14"/>
+    <p:sldId id="267" r:id="rId15"/>
   </p:sldIdLst>
   <p:sldSz cx="9144000" cy="6858000" type="screen4x3"/>
   <p:notesSz cx="6858000" cy="9144000"/>
@@ -298,7 +301,7 @@
           <a:p>
             <a:fld id="{5BBEAD13-0566-4C6C-97E7-55F17F24B09F}" type="datetimeFigureOut">
               <a:rPr lang="zh-TW" altLang="en-US" smtClean="0"/>
-              <a:t>2018/7/2</a:t>
+              <a:t>2018/7/9</a:t>
             </a:fld>
             <a:endParaRPr lang="zh-TW" altLang="en-US"/>
           </a:p>
@@ -463,7 +466,7 @@
           <a:p>
             <a:fld id="{5BBEAD13-0566-4C6C-97E7-55F17F24B09F}" type="datetimeFigureOut">
               <a:rPr lang="zh-TW" altLang="en-US" smtClean="0"/>
-              <a:t>2018/7/2</a:t>
+              <a:t>2018/7/9</a:t>
             </a:fld>
             <a:endParaRPr lang="zh-TW" altLang="en-US"/>
           </a:p>
@@ -638,7 +641,7 @@
           <a:p>
             <a:fld id="{5BBEAD13-0566-4C6C-97E7-55F17F24B09F}" type="datetimeFigureOut">
               <a:rPr lang="zh-TW" altLang="en-US" smtClean="0"/>
-              <a:t>2018/7/2</a:t>
+              <a:t>2018/7/9</a:t>
             </a:fld>
             <a:endParaRPr lang="zh-TW" altLang="en-US"/>
           </a:p>
@@ -803,7 +806,7 @@
           <a:p>
             <a:fld id="{5BBEAD13-0566-4C6C-97E7-55F17F24B09F}" type="datetimeFigureOut">
               <a:rPr lang="zh-TW" altLang="en-US" smtClean="0"/>
-              <a:t>2018/7/2</a:t>
+              <a:t>2018/7/9</a:t>
             </a:fld>
             <a:endParaRPr lang="zh-TW" altLang="en-US"/>
           </a:p>
@@ -1044,7 +1047,7 @@
           <a:p>
             <a:fld id="{5BBEAD13-0566-4C6C-97E7-55F17F24B09F}" type="datetimeFigureOut">
               <a:rPr lang="zh-TW" altLang="en-US" smtClean="0"/>
-              <a:t>2018/7/2</a:t>
+              <a:t>2018/7/9</a:t>
             </a:fld>
             <a:endParaRPr lang="zh-TW" altLang="en-US"/>
           </a:p>
@@ -1327,7 +1330,7 @@
           <a:p>
             <a:fld id="{5BBEAD13-0566-4C6C-97E7-55F17F24B09F}" type="datetimeFigureOut">
               <a:rPr lang="zh-TW" altLang="en-US" smtClean="0"/>
-              <a:t>2018/7/2</a:t>
+              <a:t>2018/7/9</a:t>
             </a:fld>
             <a:endParaRPr lang="zh-TW" altLang="en-US"/>
           </a:p>
@@ -1744,7 +1747,7 @@
           <a:p>
             <a:fld id="{5BBEAD13-0566-4C6C-97E7-55F17F24B09F}" type="datetimeFigureOut">
               <a:rPr lang="zh-TW" altLang="en-US" smtClean="0"/>
-              <a:t>2018/7/2</a:t>
+              <a:t>2018/7/9</a:t>
             </a:fld>
             <a:endParaRPr lang="zh-TW" altLang="en-US"/>
           </a:p>
@@ -1857,7 +1860,7 @@
           <a:p>
             <a:fld id="{5BBEAD13-0566-4C6C-97E7-55F17F24B09F}" type="datetimeFigureOut">
               <a:rPr lang="zh-TW" altLang="en-US" smtClean="0"/>
-              <a:t>2018/7/2</a:t>
+              <a:t>2018/7/9</a:t>
             </a:fld>
             <a:endParaRPr lang="zh-TW" altLang="en-US"/>
           </a:p>
@@ -1947,7 +1950,7 @@
           <a:p>
             <a:fld id="{5BBEAD13-0566-4C6C-97E7-55F17F24B09F}" type="datetimeFigureOut">
               <a:rPr lang="zh-TW" altLang="en-US" smtClean="0"/>
-              <a:t>2018/7/2</a:t>
+              <a:t>2018/7/9</a:t>
             </a:fld>
             <a:endParaRPr lang="zh-TW" altLang="en-US"/>
           </a:p>
@@ -2219,7 +2222,7 @@
           <a:p>
             <a:fld id="{5BBEAD13-0566-4C6C-97E7-55F17F24B09F}" type="datetimeFigureOut">
               <a:rPr lang="zh-TW" altLang="en-US" smtClean="0"/>
-              <a:t>2018/7/2</a:t>
+              <a:t>2018/7/9</a:t>
             </a:fld>
             <a:endParaRPr lang="zh-TW" altLang="en-US"/>
           </a:p>
@@ -2467,7 +2470,7 @@
           <a:p>
             <a:fld id="{5BBEAD13-0566-4C6C-97E7-55F17F24B09F}" type="datetimeFigureOut">
               <a:rPr lang="zh-TW" altLang="en-US" smtClean="0"/>
-              <a:t>2018/7/2</a:t>
+              <a:t>2018/7/9</a:t>
             </a:fld>
             <a:endParaRPr lang="zh-TW" altLang="en-US"/>
           </a:p>
@@ -2675,7 +2678,7 @@
           <a:p>
             <a:fld id="{5BBEAD13-0566-4C6C-97E7-55F17F24B09F}" type="datetimeFigureOut">
               <a:rPr lang="zh-TW" altLang="en-US" smtClean="0"/>
-              <a:t>2018/7/2</a:t>
+              <a:t>2018/7/9</a:t>
             </a:fld>
             <a:endParaRPr lang="zh-TW" altLang="en-US"/>
           </a:p>
@@ -3143,6 +3146,859 @@
           <a:p>
             <a:r>
               <a:rPr lang="en-US" altLang="zh-TW" dirty="0" smtClean="0"/>
+              <a:t>How to add command in code -1</a:t>
+            </a:r>
+            <a:endParaRPr lang="zh-TW" altLang="en-US" dirty="0"/>
+          </a:p>
+        </p:txBody>
+      </p:sp>
+      <p:sp>
+        <p:nvSpPr>
+          <p:cNvPr id="3" name="內容版面配置區 2"/>
+          <p:cNvSpPr>
+            <a:spLocks noGrp="1"/>
+          </p:cNvSpPr>
+          <p:nvPr>
+            <p:ph idx="1"/>
+          </p:nvPr>
+        </p:nvSpPr>
+        <p:spPr/>
+        <p:txBody>
+          <a:bodyPr>
+            <a:normAutofit fontScale="92500" lnSpcReduction="20000"/>
+          </a:bodyPr>
+          <a:lstStyle/>
+          <a:p>
+            <a:r>
+              <a:rPr lang="en-US" altLang="zh-TW" dirty="0" smtClean="0"/>
+              <a:t>Add </a:t>
+            </a:r>
+            <a:r>
+              <a:rPr lang="en-US" altLang="zh-TW" dirty="0"/>
+              <a:t>command string in </a:t>
+            </a:r>
+            <a:r>
+              <a:rPr lang="en-US" altLang="zh-TW" dirty="0" err="1" smtClean="0"/>
+              <a:t>test_command_set</a:t>
+            </a:r>
+            <a:r>
+              <a:rPr lang="en-US" altLang="zh-TW" dirty="0" smtClean="0"/>
+              <a:t> dictionary type.</a:t>
+            </a:r>
+          </a:p>
+          <a:p>
+            <a:pPr lvl="1"/>
+            <a:r>
+              <a:rPr lang="en-US" altLang="zh-TW" dirty="0" smtClean="0"/>
+              <a:t>bt_hci_cmd_test_wc.py</a:t>
+            </a:r>
+          </a:p>
+          <a:p>
+            <a:pPr lvl="1"/>
+            <a:r>
+              <a:rPr lang="en-US" altLang="zh-TW" dirty="0"/>
+              <a:t>Item: </a:t>
+            </a:r>
+            <a:r>
+              <a:rPr lang="en-US" altLang="zh-TW" dirty="0" err="1"/>
+              <a:t>test_command_set</a:t>
+            </a:r>
+            <a:r>
+              <a:rPr lang="en-US" altLang="zh-TW" dirty="0"/>
+              <a:t> </a:t>
+            </a:r>
+            <a:endParaRPr lang="en-US" altLang="zh-TW" dirty="0" smtClean="0"/>
+          </a:p>
+          <a:p>
+            <a:pPr lvl="1"/>
+            <a:r>
+              <a:rPr lang="en-US" altLang="zh-TW" dirty="0" smtClean="0"/>
+              <a:t>Ex. red word.</a:t>
+            </a:r>
+          </a:p>
+          <a:p>
+            <a:pPr lvl="1"/>
+            <a:endParaRPr lang="en-US" altLang="zh-TW" dirty="0" smtClean="0"/>
+          </a:p>
+          <a:p>
+            <a:r>
+              <a:rPr lang="en-US" altLang="zh-TW" dirty="0" smtClean="0"/>
+              <a:t>For example description</a:t>
+            </a:r>
+          </a:p>
+          <a:p>
+            <a:pPr lvl="1"/>
+            <a:r>
+              <a:rPr lang="en-US" altLang="zh-TW" dirty="0" smtClean="0"/>
+              <a:t>The first red word: test name which you want to add. (it’s can be </a:t>
+            </a:r>
+            <a:r>
+              <a:rPr lang="en-US" altLang="zh-TW" b="1" dirty="0" smtClean="0"/>
+              <a:t>any word </a:t>
+            </a:r>
+            <a:r>
+              <a:rPr lang="en-US" altLang="zh-TW" dirty="0" smtClean="0"/>
+              <a:t>instead of real command.)</a:t>
+            </a:r>
+          </a:p>
+          <a:p>
+            <a:pPr lvl="1"/>
+            <a:r>
+              <a:rPr lang="en-US" altLang="zh-TW" dirty="0" smtClean="0"/>
+              <a:t>The second word: it is the PDU format for total raw data. (it only support one command.)</a:t>
+            </a:r>
+            <a:endParaRPr lang="zh-TW" altLang="en-US" dirty="0"/>
+          </a:p>
+        </p:txBody>
+      </p:sp>
+      <p:sp>
+        <p:nvSpPr>
+          <p:cNvPr id="4" name="文字方塊 3"/>
+          <p:cNvSpPr txBox="1"/>
+          <p:nvPr/>
+        </p:nvSpPr>
+        <p:spPr>
+          <a:xfrm>
+            <a:off x="265949" y="3579060"/>
+            <a:ext cx="8688148" cy="369332"/>
+          </a:xfrm>
+          <a:prstGeom prst="rect">
+            <a:avLst/>
+          </a:prstGeom>
+          <a:noFill/>
+        </p:spPr>
+        <p:txBody>
+          <a:bodyPr wrap="none" rtlCol="0">
+            <a:spAutoFit/>
+          </a:bodyPr>
+          <a:lstStyle/>
+          <a:p>
+            <a:r>
+              <a:rPr lang="it-IT" altLang="zh-TW" dirty="0"/>
+              <a:t>'</a:t>
+            </a:r>
+            <a:r>
+              <a:rPr lang="it-IT" altLang="zh-TW" dirty="0">
+                <a:solidFill>
+                  <a:srgbClr val="FF0000"/>
+                </a:solidFill>
+              </a:rPr>
+              <a:t>HCI Inquiry1</a:t>
+            </a:r>
+            <a:r>
+              <a:rPr lang="it-IT" altLang="zh-TW" dirty="0"/>
+              <a:t>'        : b'</a:t>
+            </a:r>
+            <a:r>
+              <a:rPr lang="it-IT" altLang="zh-TW" dirty="0">
+                <a:solidFill>
+                  <a:srgbClr val="FF0000"/>
+                </a:solidFill>
+              </a:rPr>
+              <a:t>\x01\x01\x04\x05\x00\x00\x00\x00\x00</a:t>
+            </a:r>
+            <a:r>
+              <a:rPr lang="it-IT" altLang="zh-TW" dirty="0"/>
+              <a:t>', #LAP = 0x9E8B33 Len=0x30</a:t>
+            </a:r>
+            <a:endParaRPr lang="zh-TW" altLang="en-US" dirty="0"/>
+          </a:p>
+        </p:txBody>
+      </p:sp>
+    </p:spTree>
+    <p:extLst>
+      <p:ext uri="{BB962C8B-B14F-4D97-AF65-F5344CB8AC3E}">
+        <p14:creationId xmlns:p14="http://schemas.microsoft.com/office/powerpoint/2010/main" val="2147402861"/>
+      </p:ext>
+    </p:extLst>
+  </p:cSld>
+  <p:clrMapOvr>
+    <a:masterClrMapping/>
+  </p:clrMapOvr>
+</p:sld>
+</file>
+
+<file path=ppt/slides/slide11.xml><?xml version="1.0" encoding="utf-8"?>
+<p:sld xmlns:a="http://schemas.openxmlformats.org/drawingml/2006/main" xmlns:r="http://schemas.openxmlformats.org/officeDocument/2006/relationships" xmlns:p="http://schemas.openxmlformats.org/presentationml/2006/main">
+  <p:cSld>
+    <p:spTree>
+      <p:nvGrpSpPr>
+        <p:cNvPr id="1" name=""/>
+        <p:cNvGrpSpPr/>
+        <p:nvPr/>
+      </p:nvGrpSpPr>
+      <p:grpSpPr>
+        <a:xfrm>
+          <a:off x="0" y="0"/>
+          <a:ext cx="0" cy="0"/>
+          <a:chOff x="0" y="0"/>
+          <a:chExt cx="0" cy="0"/>
+        </a:xfrm>
+      </p:grpSpPr>
+      <p:sp>
+        <p:nvSpPr>
+          <p:cNvPr id="2" name="標題 1"/>
+          <p:cNvSpPr>
+            <a:spLocks noGrp="1"/>
+          </p:cNvSpPr>
+          <p:nvPr>
+            <p:ph type="title"/>
+          </p:nvPr>
+        </p:nvSpPr>
+        <p:spPr/>
+        <p:txBody>
+          <a:bodyPr/>
+          <a:lstStyle/>
+          <a:p>
+            <a:r>
+              <a:rPr lang="en-US" altLang="zh-TW" dirty="0"/>
+              <a:t>How to add command in code </a:t>
+            </a:r>
+            <a:r>
+              <a:rPr lang="en-US" altLang="zh-TW" dirty="0" smtClean="0"/>
+              <a:t>-2</a:t>
+            </a:r>
+            <a:endParaRPr lang="zh-TW" altLang="en-US" dirty="0"/>
+          </a:p>
+        </p:txBody>
+      </p:sp>
+      <p:sp>
+        <p:nvSpPr>
+          <p:cNvPr id="3" name="內容版面配置區 2"/>
+          <p:cNvSpPr>
+            <a:spLocks noGrp="1"/>
+          </p:cNvSpPr>
+          <p:nvPr>
+            <p:ph idx="1"/>
+          </p:nvPr>
+        </p:nvSpPr>
+        <p:spPr/>
+        <p:txBody>
+          <a:bodyPr/>
+          <a:lstStyle/>
+          <a:p>
+            <a:r>
+              <a:rPr lang="en-US" altLang="zh-TW" dirty="0" smtClean="0"/>
+              <a:t>Use the routine to execute the command you created before.</a:t>
+            </a:r>
+          </a:p>
+          <a:p>
+            <a:pPr lvl="1"/>
+            <a:r>
+              <a:rPr lang="en-US" altLang="zh-TW" dirty="0" err="1" smtClean="0"/>
+              <a:t>hci_command_test_by_inner_string</a:t>
+            </a:r>
+            <a:r>
+              <a:rPr lang="en-US" altLang="zh-TW" dirty="0" smtClean="0"/>
+              <a:t>(</a:t>
+            </a:r>
+            <a:r>
+              <a:rPr lang="en-US" altLang="zh-TW" dirty="0" err="1" smtClean="0">
+                <a:solidFill>
+                  <a:srgbClr val="FF0000"/>
+                </a:solidFill>
+              </a:rPr>
+              <a:t>ser</a:t>
+            </a:r>
+            <a:r>
+              <a:rPr lang="en-US" altLang="zh-TW" dirty="0" smtClean="0"/>
+              <a:t>, </a:t>
+            </a:r>
+            <a:r>
+              <a:rPr lang="en-US" altLang="zh-TW" dirty="0" smtClean="0">
+                <a:solidFill>
+                  <a:srgbClr val="FF0000"/>
+                </a:solidFill>
+              </a:rPr>
+              <a:t>string</a:t>
+            </a:r>
+            <a:r>
+              <a:rPr lang="en-US" altLang="zh-TW" dirty="0" smtClean="0"/>
+              <a:t>)</a:t>
+            </a:r>
+          </a:p>
+          <a:p>
+            <a:pPr lvl="1"/>
+            <a:r>
+              <a:rPr lang="en-US" altLang="zh-TW" dirty="0" smtClean="0"/>
+              <a:t>The </a:t>
+            </a:r>
+            <a:r>
+              <a:rPr lang="en-US" altLang="zh-TW" b="1" dirty="0" err="1" smtClean="0"/>
+              <a:t>ser</a:t>
+            </a:r>
+            <a:r>
+              <a:rPr lang="en-US" altLang="zh-TW" dirty="0" smtClean="0"/>
+              <a:t> is serial port at Host. (ex. com8, etc…)</a:t>
+            </a:r>
+          </a:p>
+          <a:p>
+            <a:pPr lvl="1"/>
+            <a:r>
+              <a:rPr lang="en-US" altLang="zh-TW" dirty="0" smtClean="0"/>
+              <a:t>The string is your command description you add in </a:t>
+            </a:r>
+            <a:r>
+              <a:rPr lang="en-US" altLang="zh-TW" b="1" dirty="0" err="1" smtClean="0"/>
+              <a:t>test_command_set</a:t>
+            </a:r>
+            <a:r>
+              <a:rPr lang="en-US" altLang="zh-TW" dirty="0"/>
+              <a:t>.</a:t>
+            </a:r>
+            <a:r>
+              <a:rPr lang="en-US" altLang="zh-TW" dirty="0" smtClean="0"/>
+              <a:t> </a:t>
+            </a:r>
+            <a:endParaRPr lang="zh-TW" altLang="en-US" dirty="0"/>
+          </a:p>
+        </p:txBody>
+      </p:sp>
+    </p:spTree>
+    <p:extLst>
+      <p:ext uri="{BB962C8B-B14F-4D97-AF65-F5344CB8AC3E}">
+        <p14:creationId xmlns:p14="http://schemas.microsoft.com/office/powerpoint/2010/main" val="3813587048"/>
+      </p:ext>
+    </p:extLst>
+  </p:cSld>
+  <p:clrMapOvr>
+    <a:masterClrMapping/>
+  </p:clrMapOvr>
+</p:sld>
+</file>
+
+<file path=ppt/slides/slide12.xml><?xml version="1.0" encoding="utf-8"?>
+<p:sld xmlns:a="http://schemas.openxmlformats.org/drawingml/2006/main" xmlns:r="http://schemas.openxmlformats.org/officeDocument/2006/relationships" xmlns:p="http://schemas.openxmlformats.org/presentationml/2006/main">
+  <p:cSld>
+    <p:spTree>
+      <p:nvGrpSpPr>
+        <p:cNvPr id="1" name=""/>
+        <p:cNvGrpSpPr/>
+        <p:nvPr/>
+      </p:nvGrpSpPr>
+      <p:grpSpPr>
+        <a:xfrm>
+          <a:off x="0" y="0"/>
+          <a:ext cx="0" cy="0"/>
+          <a:chOff x="0" y="0"/>
+          <a:chExt cx="0" cy="0"/>
+        </a:xfrm>
+      </p:grpSpPr>
+      <p:sp>
+        <p:nvSpPr>
+          <p:cNvPr id="2" name="標題 1"/>
+          <p:cNvSpPr>
+            <a:spLocks noGrp="1"/>
+          </p:cNvSpPr>
+          <p:nvPr>
+            <p:ph type="title"/>
+          </p:nvPr>
+        </p:nvSpPr>
+        <p:spPr/>
+        <p:txBody>
+          <a:bodyPr/>
+          <a:lstStyle/>
+          <a:p>
+            <a:r>
+              <a:rPr lang="en-US" altLang="zh-TW" dirty="0"/>
+              <a:t>How to add command in code </a:t>
+            </a:r>
+            <a:r>
+              <a:rPr lang="en-US" altLang="zh-TW" dirty="0" smtClean="0"/>
+              <a:t>-3</a:t>
+            </a:r>
+            <a:endParaRPr lang="zh-TW" altLang="en-US" dirty="0"/>
+          </a:p>
+        </p:txBody>
+      </p:sp>
+      <p:sp>
+        <p:nvSpPr>
+          <p:cNvPr id="4" name="文字方塊 3"/>
+          <p:cNvSpPr txBox="1"/>
+          <p:nvPr/>
+        </p:nvSpPr>
+        <p:spPr>
+          <a:xfrm>
+            <a:off x="251520" y="1628800"/>
+            <a:ext cx="9341083" cy="1200329"/>
+          </a:xfrm>
+          <a:prstGeom prst="rect">
+            <a:avLst/>
+          </a:prstGeom>
+          <a:noFill/>
+          <a:ln>
+            <a:solidFill>
+              <a:schemeClr val="accent1"/>
+            </a:solidFill>
+          </a:ln>
+        </p:spPr>
+        <p:txBody>
+          <a:bodyPr wrap="none" rtlCol="0">
+            <a:spAutoFit/>
+          </a:bodyPr>
+          <a:lstStyle/>
+          <a:p>
+            <a:r>
+              <a:rPr lang="en-US" altLang="zh-TW" dirty="0" err="1"/>
+              <a:t>test_command_set</a:t>
+            </a:r>
+            <a:r>
+              <a:rPr lang="en-US" altLang="zh-TW" dirty="0"/>
+              <a:t> </a:t>
+            </a:r>
+            <a:r>
+              <a:rPr lang="en-US" altLang="zh-TW" dirty="0"/>
+              <a:t>= </a:t>
+            </a:r>
+            <a:r>
+              <a:rPr lang="en-US" altLang="zh-TW" dirty="0"/>
+              <a:t>{</a:t>
+            </a:r>
+            <a:br>
+              <a:rPr lang="en-US" altLang="zh-TW" dirty="0"/>
+            </a:br>
+            <a:r>
+              <a:rPr lang="en-US" altLang="zh-TW" dirty="0"/>
+              <a:t>    </a:t>
+            </a:r>
+            <a:r>
+              <a:rPr lang="en-US" altLang="zh-TW" dirty="0" smtClean="0"/>
+              <a:t>‘</a:t>
+            </a:r>
+            <a:r>
+              <a:rPr lang="en-US" altLang="zh-TW" b="1" dirty="0" smtClean="0">
+                <a:solidFill>
+                  <a:srgbClr val="FF0000"/>
+                </a:solidFill>
+              </a:rPr>
+              <a:t>this is my </a:t>
+            </a:r>
+            <a:r>
+              <a:rPr lang="en-US" altLang="zh-TW" b="1" dirty="0">
+                <a:solidFill>
+                  <a:srgbClr val="FF0000"/>
+                </a:solidFill>
+              </a:rPr>
+              <a:t>Inquiry</a:t>
+            </a:r>
+            <a:r>
+              <a:rPr lang="en-US" altLang="zh-TW" dirty="0"/>
+              <a:t>'        : b'\x01\x01\x04\x05\x33\x8B\x9E\x30\x00', #LAP = 0x9E8B33 </a:t>
+            </a:r>
+            <a:r>
+              <a:rPr lang="en-US" altLang="zh-TW" dirty="0" smtClean="0"/>
+              <a:t>Len=0x30</a:t>
+            </a:r>
+          </a:p>
+          <a:p>
+            <a:endParaRPr lang="en-US" altLang="zh-TW" dirty="0"/>
+          </a:p>
+          <a:p>
+            <a:r>
+              <a:rPr lang="en-US" altLang="zh-TW" dirty="0" smtClean="0"/>
+              <a:t>…</a:t>
+            </a:r>
+            <a:endParaRPr lang="zh-TW" altLang="en-US" dirty="0"/>
+          </a:p>
+        </p:txBody>
+      </p:sp>
+      <p:sp>
+        <p:nvSpPr>
+          <p:cNvPr id="5" name="文字方塊 4"/>
+          <p:cNvSpPr txBox="1"/>
+          <p:nvPr/>
+        </p:nvSpPr>
+        <p:spPr>
+          <a:xfrm>
+            <a:off x="223704" y="3501008"/>
+            <a:ext cx="9959458" cy="2862322"/>
+          </a:xfrm>
+          <a:prstGeom prst="rect">
+            <a:avLst/>
+          </a:prstGeom>
+          <a:noFill/>
+          <a:ln>
+            <a:solidFill>
+              <a:schemeClr val="accent1"/>
+            </a:solidFill>
+          </a:ln>
+        </p:spPr>
+        <p:txBody>
+          <a:bodyPr wrap="none" rtlCol="0">
+            <a:spAutoFit/>
+          </a:bodyPr>
+          <a:lstStyle/>
+          <a:p>
+            <a:r>
+              <a:rPr lang="en-US" altLang="zh-TW" i="1" dirty="0" err="1"/>
+              <a:t>def</a:t>
+            </a:r>
+            <a:r>
+              <a:rPr lang="en-US" altLang="zh-TW" i="1" dirty="0"/>
+              <a:t> </a:t>
+            </a:r>
+            <a:r>
+              <a:rPr lang="en-US" altLang="zh-TW" dirty="0"/>
+              <a:t>main</a:t>
+            </a:r>
+            <a:r>
+              <a:rPr lang="en-US" altLang="zh-TW" dirty="0"/>
+              <a:t>()</a:t>
+            </a:r>
+            <a:r>
+              <a:rPr lang="en-US" altLang="zh-TW" dirty="0"/>
+              <a:t>:</a:t>
+            </a:r>
+            <a:br>
+              <a:rPr lang="en-US" altLang="zh-TW" dirty="0"/>
+            </a:br>
+            <a:r>
+              <a:rPr lang="en-US" altLang="zh-TW" dirty="0"/>
+              <a:t>    </a:t>
+            </a:r>
+            <a:r>
+              <a:rPr lang="en-US" altLang="zh-TW" i="1" dirty="0"/>
+              <a:t>global </a:t>
+            </a:r>
+            <a:r>
+              <a:rPr lang="en-US" altLang="zh-TW" dirty="0" err="1"/>
+              <a:t>raw_buffer</a:t>
+            </a:r>
+            <a:r>
+              <a:rPr lang="en-US" altLang="zh-TW" dirty="0"/>
+              <a:t/>
+            </a:r>
+            <a:br>
+              <a:rPr lang="en-US" altLang="zh-TW" dirty="0"/>
+            </a:br>
+            <a:r>
+              <a:rPr lang="en-US" altLang="zh-TW" dirty="0"/>
+              <a:t>    </a:t>
+            </a:r>
+            <a:r>
+              <a:rPr lang="en-US" altLang="zh-TW" dirty="0" err="1"/>
+              <a:t>command_for_return_parameter</a:t>
+            </a:r>
+            <a:r>
+              <a:rPr lang="en-US" altLang="zh-TW" dirty="0"/>
+              <a:t> = </a:t>
+            </a:r>
+            <a:r>
+              <a:rPr lang="en-US" altLang="zh-TW" i="1" dirty="0"/>
+              <a:t>None</a:t>
+            </a:r>
+            <a:br>
+              <a:rPr lang="en-US" altLang="zh-TW" i="1" dirty="0"/>
+            </a:br>
+            <a:r>
+              <a:rPr lang="en-US" altLang="zh-TW" i="1" dirty="0"/>
+              <a:t>    </a:t>
+            </a:r>
+            <a:r>
+              <a:rPr lang="en-US" altLang="zh-TW" dirty="0" err="1"/>
+              <a:t>parse_args_check</a:t>
+            </a:r>
+            <a:r>
+              <a:rPr lang="en-US" altLang="zh-TW" dirty="0"/>
+              <a:t>()</a:t>
+            </a:r>
+            <a:br>
+              <a:rPr lang="en-US" altLang="zh-TW" dirty="0"/>
+            </a:br>
+            <a:r>
+              <a:rPr lang="en-US" altLang="zh-TW" dirty="0"/>
+              <a:t>    </a:t>
+            </a:r>
+            <a:r>
+              <a:rPr lang="en-US" altLang="zh-TW" dirty="0"/>
+              <a:t>#</a:t>
+            </a:r>
+            <a:r>
+              <a:rPr lang="en-US" altLang="zh-TW" dirty="0" err="1"/>
+              <a:t>init</a:t>
+            </a:r>
+            <a:r>
+              <a:rPr lang="en-US" altLang="zh-TW" dirty="0" err="1" smtClean="0"/>
+              <a:t>.</a:t>
+            </a:r>
+            <a:r>
+              <a:rPr lang="en-US" altLang="zh-TW" dirty="0" smtClean="0"/>
+              <a:t>..</a:t>
+            </a:r>
+            <a:r>
+              <a:rPr lang="en-US" altLang="zh-TW" dirty="0"/>
+              <a:t/>
+            </a:r>
+            <a:br>
+              <a:rPr lang="en-US" altLang="zh-TW" dirty="0"/>
+            </a:br>
+            <a:r>
+              <a:rPr lang="en-US" altLang="zh-TW" dirty="0"/>
+              <a:t>    </a:t>
+            </a:r>
+            <a:r>
+              <a:rPr lang="en-US" altLang="zh-TW" dirty="0" err="1"/>
+              <a:t>ser</a:t>
+            </a:r>
+            <a:r>
+              <a:rPr lang="en-US" altLang="zh-TW" dirty="0"/>
+              <a:t> </a:t>
+            </a:r>
+            <a:r>
+              <a:rPr lang="en-US" altLang="zh-TW" dirty="0"/>
+              <a:t>= </a:t>
+            </a:r>
+            <a:r>
+              <a:rPr lang="en-US" altLang="zh-TW" dirty="0" err="1"/>
+              <a:t>serial.Serial</a:t>
+            </a:r>
+            <a:r>
+              <a:rPr lang="en-US" altLang="zh-TW" dirty="0"/>
+              <a:t>(serial1_port</a:t>
+            </a:r>
+            <a:r>
+              <a:rPr lang="en-US" altLang="zh-TW" dirty="0"/>
+              <a:t>,</a:t>
+            </a:r>
+            <a:r>
+              <a:rPr lang="en-US" altLang="zh-TW" dirty="0"/>
+              <a:t>serial_baudrate</a:t>
+            </a:r>
+            <a:r>
+              <a:rPr lang="en-US" altLang="zh-TW" dirty="0"/>
+              <a:t>,timeout=</a:t>
+            </a:r>
+            <a:r>
+              <a:rPr lang="en-US" altLang="zh-TW" i="1" dirty="0"/>
+              <a:t>None</a:t>
+            </a:r>
+            <a:r>
+              <a:rPr lang="en-US" altLang="zh-TW" dirty="0"/>
+              <a:t>, </a:t>
+            </a:r>
+            <a:r>
+              <a:rPr lang="en-US" altLang="zh-TW" dirty="0" err="1"/>
+              <a:t>xonxoff</a:t>
+            </a:r>
+            <a:r>
+              <a:rPr lang="en-US" altLang="zh-TW" dirty="0"/>
+              <a:t>=</a:t>
+            </a:r>
+            <a:r>
+              <a:rPr lang="en-US" altLang="zh-TW" i="1" dirty="0" err="1"/>
+              <a:t>False</a:t>
+            </a:r>
+            <a:r>
+              <a:rPr lang="en-US" altLang="zh-TW" dirty="0" err="1"/>
+              <a:t>,rtscts</a:t>
+            </a:r>
+            <a:r>
+              <a:rPr lang="en-US" altLang="zh-TW" dirty="0"/>
+              <a:t>=</a:t>
+            </a:r>
+            <a:r>
+              <a:rPr lang="en-US" altLang="zh-TW" i="1" dirty="0" err="1"/>
+              <a:t>False</a:t>
+            </a:r>
+            <a:r>
+              <a:rPr lang="en-US" altLang="zh-TW" dirty="0" err="1"/>
+              <a:t>,dsrdtr</a:t>
+            </a:r>
+            <a:r>
+              <a:rPr lang="en-US" altLang="zh-TW" dirty="0"/>
+              <a:t>=</a:t>
+            </a:r>
+            <a:r>
+              <a:rPr lang="en-US" altLang="zh-TW" i="1" dirty="0"/>
+              <a:t>False</a:t>
+            </a:r>
+            <a:r>
+              <a:rPr lang="en-US" altLang="zh-TW" dirty="0"/>
+              <a:t>)</a:t>
+            </a:r>
+            <a:br>
+              <a:rPr lang="en-US" altLang="zh-TW" dirty="0"/>
+            </a:br>
+            <a:r>
+              <a:rPr lang="en-US" altLang="zh-TW" dirty="0"/>
+              <a:t>    </a:t>
+            </a:r>
+            <a:r>
+              <a:rPr lang="en-US" altLang="zh-TW" dirty="0" err="1"/>
+              <a:t>serial_open</a:t>
+            </a:r>
+            <a:r>
+              <a:rPr lang="en-US" altLang="zh-TW" dirty="0"/>
+              <a:t>(</a:t>
+            </a:r>
+            <a:r>
+              <a:rPr lang="en-US" altLang="zh-TW" dirty="0" err="1"/>
+              <a:t>ser</a:t>
+            </a:r>
+            <a:r>
+              <a:rPr lang="en-US" altLang="zh-TW" dirty="0"/>
+              <a:t>)</a:t>
+            </a:r>
+            <a:br>
+              <a:rPr lang="en-US" altLang="zh-TW" dirty="0"/>
+            </a:br>
+            <a:r>
+              <a:rPr lang="en-US" altLang="zh-TW" dirty="0"/>
+              <a:t/>
+            </a:r>
+            <a:br>
+              <a:rPr lang="en-US" altLang="zh-TW" dirty="0"/>
+            </a:br>
+            <a:r>
+              <a:rPr lang="en-US" altLang="zh-TW" dirty="0"/>
+              <a:t> </a:t>
+            </a:r>
+            <a:r>
+              <a:rPr lang="en-US" altLang="zh-TW" dirty="0" smtClean="0"/>
+              <a:t> </a:t>
+            </a:r>
+            <a:r>
+              <a:rPr lang="en-US" altLang="zh-TW" dirty="0" err="1" smtClean="0">
+                <a:solidFill>
+                  <a:srgbClr val="FF0000"/>
+                </a:solidFill>
+              </a:rPr>
+              <a:t>hci_command_test_by_inner_string</a:t>
+            </a:r>
+            <a:r>
+              <a:rPr lang="en-US" altLang="zh-TW" dirty="0" smtClean="0">
+                <a:solidFill>
+                  <a:srgbClr val="FF0000"/>
+                </a:solidFill>
+              </a:rPr>
+              <a:t>(</a:t>
+            </a:r>
+            <a:r>
+              <a:rPr lang="en-US" altLang="zh-TW" dirty="0" err="1" smtClean="0">
+                <a:solidFill>
+                  <a:srgbClr val="FF0000"/>
+                </a:solidFill>
+              </a:rPr>
+              <a:t>ser</a:t>
+            </a:r>
+            <a:r>
+              <a:rPr lang="en-US" altLang="zh-TW" dirty="0">
+                <a:solidFill>
+                  <a:srgbClr val="FF0000"/>
+                </a:solidFill>
+              </a:rPr>
+              <a:t>, </a:t>
+            </a:r>
+            <a:r>
+              <a:rPr lang="en-US" altLang="zh-TW" dirty="0" smtClean="0">
+                <a:solidFill>
+                  <a:srgbClr val="FF0000"/>
+                </a:solidFill>
+              </a:rPr>
+              <a:t>'</a:t>
+            </a:r>
+            <a:r>
+              <a:rPr lang="en-US" altLang="zh-TW" b="1" dirty="0">
+                <a:solidFill>
+                  <a:srgbClr val="FF0000"/>
+                </a:solidFill>
+              </a:rPr>
+              <a:t> this is my </a:t>
+            </a:r>
+            <a:r>
+              <a:rPr lang="en-US" altLang="zh-TW" b="1" dirty="0" smtClean="0">
+                <a:solidFill>
+                  <a:srgbClr val="FF0000"/>
+                </a:solidFill>
+              </a:rPr>
+              <a:t>Inquiry</a:t>
+            </a:r>
+            <a:r>
+              <a:rPr lang="en-US" altLang="zh-TW" dirty="0" smtClean="0">
+                <a:solidFill>
+                  <a:srgbClr val="FF0000"/>
+                </a:solidFill>
+              </a:rPr>
+              <a:t>')</a:t>
+            </a:r>
+            <a:r>
+              <a:rPr lang="en-US" altLang="zh-TW" dirty="0"/>
+              <a:t/>
+            </a:r>
+            <a:br>
+              <a:rPr lang="en-US" altLang="zh-TW" dirty="0"/>
+            </a:br>
+            <a:r>
+              <a:rPr lang="en-US" altLang="zh-TW" dirty="0"/>
+              <a:t>    </a:t>
+            </a:r>
+            <a:r>
+              <a:rPr lang="en-US" altLang="zh-TW" dirty="0" err="1"/>
+              <a:t>serial_close</a:t>
+            </a:r>
+            <a:r>
+              <a:rPr lang="en-US" altLang="zh-TW" dirty="0"/>
+              <a:t>(</a:t>
+            </a:r>
+            <a:r>
+              <a:rPr lang="en-US" altLang="zh-TW" dirty="0" err="1"/>
+              <a:t>ser</a:t>
+            </a:r>
+            <a:r>
+              <a:rPr lang="en-US" altLang="zh-TW" dirty="0"/>
+              <a:t>)</a:t>
+            </a:r>
+            <a:endParaRPr lang="zh-TW" altLang="en-US" dirty="0"/>
+          </a:p>
+        </p:txBody>
+      </p:sp>
+    </p:spTree>
+    <p:extLst>
+      <p:ext uri="{BB962C8B-B14F-4D97-AF65-F5344CB8AC3E}">
+        <p14:creationId xmlns:p14="http://schemas.microsoft.com/office/powerpoint/2010/main" val="2032240358"/>
+      </p:ext>
+    </p:extLst>
+  </p:cSld>
+  <p:clrMapOvr>
+    <a:masterClrMapping/>
+  </p:clrMapOvr>
+</p:sld>
+</file>
+
+<file path=ppt/slides/slide13.xml><?xml version="1.0" encoding="utf-8"?>
+<p:sld xmlns:a="http://schemas.openxmlformats.org/drawingml/2006/main" xmlns:r="http://schemas.openxmlformats.org/officeDocument/2006/relationships" xmlns:p="http://schemas.openxmlformats.org/presentationml/2006/main">
+  <p:cSld>
+    <p:spTree>
+      <p:nvGrpSpPr>
+        <p:cNvPr id="1" name=""/>
+        <p:cNvGrpSpPr/>
+        <p:nvPr/>
+      </p:nvGrpSpPr>
+      <p:grpSpPr>
+        <a:xfrm>
+          <a:off x="0" y="0"/>
+          <a:ext cx="0" cy="0"/>
+          <a:chOff x="0" y="0"/>
+          <a:chExt cx="0" cy="0"/>
+        </a:xfrm>
+      </p:grpSpPr>
+      <p:sp>
+        <p:nvSpPr>
+          <p:cNvPr id="2" name="標題 1"/>
+          <p:cNvSpPr>
+            <a:spLocks noGrp="1"/>
+          </p:cNvSpPr>
+          <p:nvPr>
+            <p:ph type="title"/>
+          </p:nvPr>
+        </p:nvSpPr>
+        <p:spPr/>
+        <p:txBody>
+          <a:bodyPr/>
+          <a:lstStyle/>
+          <a:p>
+            <a:r>
+              <a:rPr lang="en-US" altLang="zh-TW" dirty="0" smtClean="0"/>
               <a:t>Q &amp; A</a:t>
             </a:r>
             <a:endParaRPr lang="zh-TW" altLang="en-US" dirty="0"/>
@@ -3181,7 +4037,7 @@
 </p:sld>
 </file>
 
-<file path=ppt/slides/slide11.xml><?xml version="1.0" encoding="utf-8"?>
+<file path=ppt/slides/slide14.xml><?xml version="1.0" encoding="utf-8"?>
 <p:sld xmlns:a="http://schemas.openxmlformats.org/drawingml/2006/main" xmlns:r="http://schemas.openxmlformats.org/officeDocument/2006/relationships" xmlns:p="http://schemas.openxmlformats.org/presentationml/2006/main">
   <p:cSld>
     <p:spTree>

--- a/doc/structure.pptx
+++ b/doc/structure.pptx
@@ -17,8 +17,14 @@
     <p:sldId id="270" r:id="rId11"/>
     <p:sldId id="271" r:id="rId12"/>
     <p:sldId id="272" r:id="rId13"/>
-    <p:sldId id="268" r:id="rId14"/>
-    <p:sldId id="267" r:id="rId15"/>
+    <p:sldId id="273" r:id="rId14"/>
+    <p:sldId id="275" r:id="rId15"/>
+    <p:sldId id="274" r:id="rId16"/>
+    <p:sldId id="276" r:id="rId17"/>
+    <p:sldId id="277" r:id="rId18"/>
+    <p:sldId id="278" r:id="rId19"/>
+    <p:sldId id="268" r:id="rId20"/>
+    <p:sldId id="267" r:id="rId21"/>
   </p:sldIdLst>
   <p:sldSz cx="9144000" cy="6858000" type="screen4x3"/>
   <p:notesSz cx="6858000" cy="9144000"/>
@@ -3544,15 +3550,7 @@
             </a:r>
             <a:r>
               <a:rPr lang="en-US" altLang="zh-TW" dirty="0"/>
-              <a:t> </a:t>
-            </a:r>
-            <a:r>
-              <a:rPr lang="en-US" altLang="zh-TW" dirty="0"/>
-              <a:t>= </a:t>
-            </a:r>
-            <a:r>
-              <a:rPr lang="en-US" altLang="zh-TW" dirty="0"/>
-              <a:t>{</a:t>
+              <a:t> = {</a:t>
             </a:r>
             <a:br>
               <a:rPr lang="en-US" altLang="zh-TW" dirty="0"/>
@@ -3639,15 +3637,7 @@
             </a:r>
             <a:r>
               <a:rPr lang="en-US" altLang="zh-TW" dirty="0"/>
-              <a:t>main</a:t>
-            </a:r>
-            <a:r>
-              <a:rPr lang="en-US" altLang="zh-TW" dirty="0"/>
-              <a:t>()</a:t>
-            </a:r>
-            <a:r>
-              <a:rPr lang="en-US" altLang="zh-TW" dirty="0"/>
-              <a:t>:</a:t>
+              <a:t>main():</a:t>
             </a:r>
             <a:br>
               <a:rPr lang="en-US" altLang="zh-TW" dirty="0"/>
@@ -3707,11 +3697,7 @@
             </a:br>
             <a:r>
               <a:rPr lang="en-US" altLang="zh-TW" dirty="0"/>
-              <a:t>    </a:t>
-            </a:r>
-            <a:r>
-              <a:rPr lang="en-US" altLang="zh-TW" dirty="0"/>
-              <a:t>#</a:t>
+              <a:t>    #</a:t>
             </a:r>
             <a:r>
               <a:rPr lang="en-US" altLang="zh-TW" dirty="0" err="1"/>
@@ -3742,11 +3728,7 @@
             </a:r>
             <a:r>
               <a:rPr lang="en-US" altLang="zh-TW" dirty="0"/>
-              <a:t> </a:t>
-            </a:r>
-            <a:r>
-              <a:rPr lang="en-US" altLang="zh-TW" dirty="0"/>
-              <a:t>= </a:t>
+              <a:t> = </a:t>
             </a:r>
             <a:r>
               <a:rPr lang="en-US" altLang="zh-TW" dirty="0" err="1"/>
@@ -3754,19 +3736,7 @@
             </a:r>
             <a:r>
               <a:rPr lang="en-US" altLang="zh-TW" dirty="0"/>
-              <a:t>(serial1_port</a:t>
-            </a:r>
-            <a:r>
-              <a:rPr lang="en-US" altLang="zh-TW" dirty="0"/>
-              <a:t>,</a:t>
-            </a:r>
-            <a:r>
-              <a:rPr lang="en-US" altLang="zh-TW" dirty="0"/>
-              <a:t>serial_baudrate</a:t>
-            </a:r>
-            <a:r>
-              <a:rPr lang="en-US" altLang="zh-TW" dirty="0"/>
-              <a:t>,timeout=</a:t>
+              <a:t>(serial1_port,serial_baudrate,timeout=</a:t>
             </a:r>
             <a:r>
               <a:rPr lang="en-US" altLang="zh-TW" i="1" dirty="0"/>
@@ -3999,7 +3969,19 @@
           <a:p>
             <a:r>
               <a:rPr lang="en-US" altLang="zh-TW" dirty="0" smtClean="0"/>
-              <a:t>Q &amp; A</a:t>
+              <a:t>new </a:t>
+            </a:r>
+            <a:r>
+              <a:rPr lang="en-US" altLang="zh-TW" dirty="0"/>
+              <a:t>command in </a:t>
+            </a:r>
+            <a:r>
+              <a:rPr lang="en-US" altLang="zh-TW" dirty="0" smtClean="0"/>
+              <a:t>code -1</a:t>
+            </a:r>
+            <a:r>
+              <a:rPr lang="zh-TW" altLang="en-US" dirty="0" smtClean="0"/>
+              <a:t> </a:t>
             </a:r>
             <a:endParaRPr lang="zh-TW" altLang="en-US" dirty="0"/>
           </a:p>
@@ -4020,14 +4002,46 @@
           <a:bodyPr/>
           <a:lstStyle/>
           <a:p>
-            <a:endParaRPr lang="zh-TW" altLang="en-US"/>
+            <a:r>
+              <a:rPr lang="en-US" altLang="zh-TW" dirty="0" smtClean="0"/>
+              <a:t>Add OCF/ OGF in which decision</a:t>
+            </a:r>
+          </a:p>
+          <a:p>
+            <a:r>
+              <a:rPr lang="en-US" altLang="zh-TW" dirty="0" smtClean="0"/>
+              <a:t>Command Parameter (type/length/default)</a:t>
+            </a:r>
+          </a:p>
+          <a:p>
+            <a:r>
+              <a:rPr lang="en-US" altLang="zh-TW" dirty="0" smtClean="0"/>
+              <a:t>Execute function – </a:t>
+            </a:r>
+            <a:r>
+              <a:rPr lang="en-US" altLang="zh-TW" dirty="0" err="1" smtClean="0"/>
+              <a:t>hci_command_test</a:t>
+            </a:r>
+            <a:r>
+              <a:rPr lang="en-US" altLang="zh-TW" dirty="0" smtClean="0"/>
+              <a:t>(</a:t>
+            </a:r>
+            <a:r>
+              <a:rPr lang="en-US" altLang="zh-TW" dirty="0" err="1" smtClean="0"/>
+              <a:t>ser</a:t>
+            </a:r>
+            <a:r>
+              <a:rPr lang="en-US" altLang="zh-TW" dirty="0" smtClean="0"/>
+              <a:t>, string)</a:t>
+            </a:r>
+            <a:endParaRPr lang="zh-TW" altLang="en-US" dirty="0"/>
           </a:p>
         </p:txBody>
       </p:sp>
     </p:spTree>
     <p:extLst>
       <p:ext uri="{BB962C8B-B14F-4D97-AF65-F5344CB8AC3E}">
-        <p14:creationId xmlns:p14="http://schemas.microsoft.com/office/powerpoint/2010/main" val="1234732125"/>
+        <p14:creationId xmlns:p14="http://schemas.microsoft.com/office/powerpoint/2010/main" val="1957214923"/>
       </p:ext>
     </p:extLst>
   </p:cSld>
@@ -4064,21 +4078,18 @@
             <p:ph type="title"/>
           </p:nvPr>
         </p:nvSpPr>
-        <p:spPr>
-          <a:xfrm>
-            <a:off x="457200" y="274638"/>
-            <a:ext cx="8229600" cy="706090"/>
-          </a:xfrm>
-        </p:spPr>
-        <p:txBody>
-          <a:bodyPr>
-            <a:normAutofit fontScale="90000"/>
-          </a:bodyPr>
-          <a:lstStyle/>
-          <a:p>
-            <a:r>
-              <a:rPr lang="en-US" altLang="zh-TW" dirty="0" smtClean="0"/>
-              <a:t>Next update</a:t>
+        <p:spPr/>
+        <p:txBody>
+          <a:bodyPr/>
+          <a:lstStyle/>
+          <a:p>
+            <a:r>
+              <a:rPr lang="en-US" altLang="zh-TW" dirty="0"/>
+              <a:t>new command in code </a:t>
+            </a:r>
+            <a:r>
+              <a:rPr lang="en-US" altLang="zh-TW" dirty="0" smtClean="0"/>
+              <a:t>-2</a:t>
             </a:r>
             <a:endParaRPr lang="zh-TW" altLang="en-US" dirty="0"/>
           </a:p>
@@ -4099,6 +4110,17 @@
           <a:bodyPr/>
           <a:lstStyle/>
           <a:p>
+            <a:r>
+              <a:rPr lang="en-US" altLang="zh-TW" dirty="0" smtClean="0"/>
+              <a:t>OGF Set (bt_command.py)</a:t>
+            </a:r>
+          </a:p>
+          <a:p>
+            <a:pPr lvl="1"/>
+            <a:r>
+              <a:rPr lang="en-US" altLang="zh-TW" dirty="0" err="1"/>
+              <a:t>opcode_group_field_set</a:t>
+            </a:r>
             <a:endParaRPr lang="zh-TW" altLang="en-US" dirty="0"/>
           </a:p>
         </p:txBody>
@@ -4106,7 +4128,1085 @@
     </p:spTree>
     <p:extLst>
       <p:ext uri="{BB962C8B-B14F-4D97-AF65-F5344CB8AC3E}">
-        <p14:creationId xmlns:p14="http://schemas.microsoft.com/office/powerpoint/2010/main" val="3785990368"/>
+        <p14:creationId xmlns:p14="http://schemas.microsoft.com/office/powerpoint/2010/main" val="3249326233"/>
+      </p:ext>
+    </p:extLst>
+  </p:cSld>
+  <p:clrMapOvr>
+    <a:masterClrMapping/>
+  </p:clrMapOvr>
+</p:sld>
+</file>
+
+<file path=ppt/slides/slide15.xml><?xml version="1.0" encoding="utf-8"?>
+<p:sld xmlns:a="http://schemas.openxmlformats.org/drawingml/2006/main" xmlns:r="http://schemas.openxmlformats.org/officeDocument/2006/relationships" xmlns:p="http://schemas.openxmlformats.org/presentationml/2006/main">
+  <p:cSld>
+    <p:spTree>
+      <p:nvGrpSpPr>
+        <p:cNvPr id="1" name=""/>
+        <p:cNvGrpSpPr/>
+        <p:nvPr/>
+      </p:nvGrpSpPr>
+      <p:grpSpPr>
+        <a:xfrm>
+          <a:off x="0" y="0"/>
+          <a:ext cx="0" cy="0"/>
+          <a:chOff x="0" y="0"/>
+          <a:chExt cx="0" cy="0"/>
+        </a:xfrm>
+      </p:grpSpPr>
+      <p:sp>
+        <p:nvSpPr>
+          <p:cNvPr id="2" name="標題 1"/>
+          <p:cNvSpPr>
+            <a:spLocks noGrp="1"/>
+          </p:cNvSpPr>
+          <p:nvPr>
+            <p:ph type="title"/>
+          </p:nvPr>
+        </p:nvSpPr>
+        <p:spPr/>
+        <p:txBody>
+          <a:bodyPr/>
+          <a:lstStyle/>
+          <a:p>
+            <a:r>
+              <a:rPr lang="en-US" altLang="zh-TW" dirty="0"/>
+              <a:t>new command in code </a:t>
+            </a:r>
+            <a:r>
+              <a:rPr lang="en-US" altLang="zh-TW" dirty="0" smtClean="0"/>
+              <a:t>-3</a:t>
+            </a:r>
+            <a:endParaRPr lang="zh-TW" altLang="en-US" dirty="0"/>
+          </a:p>
+        </p:txBody>
+      </p:sp>
+      <p:sp>
+        <p:nvSpPr>
+          <p:cNvPr id="3" name="內容版面配置區 2"/>
+          <p:cNvSpPr>
+            <a:spLocks noGrp="1"/>
+          </p:cNvSpPr>
+          <p:nvPr>
+            <p:ph idx="1"/>
+          </p:nvPr>
+        </p:nvSpPr>
+        <p:spPr/>
+        <p:txBody>
+          <a:bodyPr>
+            <a:normAutofit fontScale="70000" lnSpcReduction="20000"/>
+          </a:bodyPr>
+          <a:lstStyle/>
+          <a:p>
+            <a:r>
+              <a:rPr lang="en-US" altLang="zh-TW" dirty="0" smtClean="0"/>
+              <a:t>OCF – Command set (bt_command.py)</a:t>
+            </a:r>
+          </a:p>
+          <a:p>
+            <a:pPr lvl="1"/>
+            <a:r>
+              <a:rPr lang="en-US" altLang="zh-TW" dirty="0" smtClean="0"/>
+              <a:t>Link Control Commands</a:t>
+            </a:r>
+          </a:p>
+          <a:p>
+            <a:pPr lvl="2"/>
+            <a:r>
+              <a:rPr lang="en-US" altLang="zh-TW" dirty="0" err="1"/>
+              <a:t>link_control_command_set</a:t>
+            </a:r>
+            <a:endParaRPr lang="en-US" altLang="zh-TW" dirty="0" smtClean="0"/>
+          </a:p>
+          <a:p>
+            <a:pPr lvl="1"/>
+            <a:r>
+              <a:rPr lang="en-US" altLang="zh-TW" dirty="0" smtClean="0"/>
+              <a:t>Link Policy Commands</a:t>
+            </a:r>
+          </a:p>
+          <a:p>
+            <a:pPr lvl="2"/>
+            <a:r>
+              <a:rPr lang="en-US" altLang="zh-TW" dirty="0" err="1"/>
+              <a:t>policy_command_set</a:t>
+            </a:r>
+            <a:endParaRPr lang="en-US" altLang="zh-TW" dirty="0" smtClean="0"/>
+          </a:p>
+          <a:p>
+            <a:pPr lvl="1"/>
+            <a:r>
+              <a:rPr lang="en-US" altLang="zh-TW" dirty="0" smtClean="0"/>
+              <a:t>Controller &amp; Baseband Commands</a:t>
+            </a:r>
+          </a:p>
+          <a:p>
+            <a:pPr lvl="2"/>
+            <a:r>
+              <a:rPr lang="en-US" altLang="zh-TW" dirty="0" err="1"/>
+              <a:t>host_control_and_baseband_command_set</a:t>
+            </a:r>
+            <a:endParaRPr lang="en-US" altLang="zh-TW" dirty="0" smtClean="0"/>
+          </a:p>
+          <a:p>
+            <a:pPr lvl="1"/>
+            <a:r>
+              <a:rPr lang="en-US" altLang="zh-TW" dirty="0" smtClean="0"/>
+              <a:t>Informational Parameters</a:t>
+            </a:r>
+          </a:p>
+          <a:p>
+            <a:pPr lvl="2"/>
+            <a:r>
+              <a:rPr lang="en-US" altLang="zh-TW" dirty="0" err="1"/>
+              <a:t>informational_command_set</a:t>
+            </a:r>
+            <a:endParaRPr lang="en-US" altLang="zh-TW" dirty="0" smtClean="0"/>
+          </a:p>
+          <a:p>
+            <a:pPr lvl="1"/>
+            <a:r>
+              <a:rPr lang="en-US" altLang="zh-TW" dirty="0" smtClean="0"/>
+              <a:t>Status Parameters</a:t>
+            </a:r>
+          </a:p>
+          <a:p>
+            <a:pPr lvl="2"/>
+            <a:r>
+              <a:rPr lang="en-US" altLang="zh-TW" dirty="0" err="1"/>
+              <a:t>status_command_set</a:t>
+            </a:r>
+            <a:endParaRPr lang="en-US" altLang="zh-TW" dirty="0" smtClean="0"/>
+          </a:p>
+          <a:p>
+            <a:pPr lvl="1"/>
+            <a:r>
+              <a:rPr lang="en-US" altLang="zh-TW" dirty="0" smtClean="0"/>
+              <a:t>Testing commands</a:t>
+            </a:r>
+          </a:p>
+          <a:p>
+            <a:pPr lvl="2"/>
+            <a:r>
+              <a:rPr lang="en-US" altLang="zh-TW" dirty="0" err="1"/>
+              <a:t>test_command_set</a:t>
+            </a:r>
+            <a:endParaRPr lang="en-US" altLang="zh-TW" dirty="0" smtClean="0"/>
+          </a:p>
+          <a:p>
+            <a:pPr lvl="1"/>
+            <a:r>
+              <a:rPr lang="en-US" altLang="zh-TW" dirty="0" smtClean="0"/>
+              <a:t>LE Controller Commands</a:t>
+            </a:r>
+          </a:p>
+          <a:p>
+            <a:pPr lvl="2"/>
+            <a:r>
+              <a:rPr lang="en-US" altLang="zh-TW" dirty="0" err="1"/>
+              <a:t>le_command_set</a:t>
+            </a:r>
+            <a:endParaRPr lang="en-US" altLang="zh-TW" dirty="0" smtClean="0"/>
+          </a:p>
+          <a:p>
+            <a:pPr lvl="1"/>
+            <a:endParaRPr lang="en-US" altLang="zh-TW" dirty="0" smtClean="0"/>
+          </a:p>
+          <a:p>
+            <a:endParaRPr lang="en-US" altLang="zh-TW" dirty="0" smtClean="0"/>
+          </a:p>
+          <a:p>
+            <a:endParaRPr lang="zh-TW" altLang="en-US" dirty="0"/>
+          </a:p>
+        </p:txBody>
+      </p:sp>
+    </p:spTree>
+    <p:extLst>
+      <p:ext uri="{BB962C8B-B14F-4D97-AF65-F5344CB8AC3E}">
+        <p14:creationId xmlns:p14="http://schemas.microsoft.com/office/powerpoint/2010/main" val="3387898095"/>
+      </p:ext>
+    </p:extLst>
+  </p:cSld>
+  <p:clrMapOvr>
+    <a:masterClrMapping/>
+  </p:clrMapOvr>
+</p:sld>
+</file>
+
+<file path=ppt/slides/slide16.xml><?xml version="1.0" encoding="utf-8"?>
+<p:sld xmlns:a="http://schemas.openxmlformats.org/drawingml/2006/main" xmlns:r="http://schemas.openxmlformats.org/officeDocument/2006/relationships" xmlns:p="http://schemas.openxmlformats.org/presentationml/2006/main">
+  <p:cSld>
+    <p:spTree>
+      <p:nvGrpSpPr>
+        <p:cNvPr id="1" name=""/>
+        <p:cNvGrpSpPr/>
+        <p:nvPr/>
+      </p:nvGrpSpPr>
+      <p:grpSpPr>
+        <a:xfrm>
+          <a:off x="0" y="0"/>
+          <a:ext cx="0" cy="0"/>
+          <a:chOff x="0" y="0"/>
+          <a:chExt cx="0" cy="0"/>
+        </a:xfrm>
+      </p:grpSpPr>
+      <p:sp>
+        <p:nvSpPr>
+          <p:cNvPr id="2" name="標題 1"/>
+          <p:cNvSpPr>
+            <a:spLocks noGrp="1"/>
+          </p:cNvSpPr>
+          <p:nvPr>
+            <p:ph type="title"/>
+          </p:nvPr>
+        </p:nvSpPr>
+        <p:spPr/>
+        <p:txBody>
+          <a:bodyPr/>
+          <a:lstStyle/>
+          <a:p>
+            <a:r>
+              <a:rPr lang="en-US" altLang="zh-TW" dirty="0"/>
+              <a:t>new command in code </a:t>
+            </a:r>
+            <a:r>
+              <a:rPr lang="en-US" altLang="zh-TW" dirty="0" smtClean="0"/>
+              <a:t>-4</a:t>
+            </a:r>
+            <a:endParaRPr lang="zh-TW" altLang="en-US" dirty="0"/>
+          </a:p>
+        </p:txBody>
+      </p:sp>
+      <p:sp>
+        <p:nvSpPr>
+          <p:cNvPr id="3" name="內容版面配置區 2"/>
+          <p:cNvSpPr>
+            <a:spLocks noGrp="1"/>
+          </p:cNvSpPr>
+          <p:nvPr>
+            <p:ph idx="1"/>
+          </p:nvPr>
+        </p:nvSpPr>
+        <p:spPr/>
+        <p:txBody>
+          <a:bodyPr/>
+          <a:lstStyle/>
+          <a:p>
+            <a:r>
+              <a:rPr lang="en-US" altLang="zh-TW" dirty="0" smtClean="0"/>
+              <a:t>Command parameter</a:t>
+            </a:r>
+          </a:p>
+          <a:p>
+            <a:pPr lvl="1"/>
+            <a:r>
+              <a:rPr lang="en-US" altLang="zh-TW" dirty="0" err="1" smtClean="0"/>
+              <a:t>command_parameters_set</a:t>
+            </a:r>
+            <a:r>
+              <a:rPr lang="en-US" altLang="zh-TW" dirty="0" smtClean="0"/>
+              <a:t> (bt_command_parameter.py)</a:t>
+            </a:r>
+          </a:p>
+          <a:p>
+            <a:pPr lvl="2"/>
+            <a:r>
+              <a:rPr lang="en-US" altLang="zh-TW" dirty="0" smtClean="0"/>
+              <a:t>add parameter</a:t>
+            </a:r>
+          </a:p>
+          <a:p>
+            <a:pPr lvl="1"/>
+            <a:r>
+              <a:rPr lang="en-US" altLang="zh-TW" dirty="0" err="1" smtClean="0"/>
+              <a:t>parameters_configuration_set</a:t>
+            </a:r>
+            <a:r>
+              <a:rPr lang="en-US" altLang="zh-TW" dirty="0" smtClean="0"/>
+              <a:t> (bt_hci_parameter.py)</a:t>
+            </a:r>
+          </a:p>
+          <a:p>
+            <a:pPr lvl="2"/>
+            <a:r>
+              <a:rPr lang="en-US" altLang="zh-TW" dirty="0" smtClean="0"/>
+              <a:t>initialization command</a:t>
+            </a:r>
+          </a:p>
+          <a:p>
+            <a:pPr lvl="2"/>
+            <a:r>
+              <a:rPr lang="en-US" altLang="zh-TW" dirty="0" smtClean="0"/>
+              <a:t>Set Parameter length</a:t>
+            </a:r>
+          </a:p>
+          <a:p>
+            <a:pPr lvl="2"/>
+            <a:r>
+              <a:rPr lang="en-US" altLang="zh-TW" dirty="0" smtClean="0"/>
+              <a:t>Set Parameter default value (byte type)</a:t>
+            </a:r>
+          </a:p>
+          <a:p>
+            <a:pPr lvl="1"/>
+            <a:endParaRPr lang="en-US" altLang="zh-TW" dirty="0" smtClean="0"/>
+          </a:p>
+          <a:p>
+            <a:pPr lvl="1"/>
+            <a:endParaRPr lang="en-US" altLang="zh-TW" dirty="0" smtClean="0"/>
+          </a:p>
+          <a:p>
+            <a:pPr lvl="1"/>
+            <a:endParaRPr lang="en-US" altLang="zh-TW" dirty="0"/>
+          </a:p>
+          <a:p>
+            <a:endParaRPr lang="zh-TW" altLang="en-US" dirty="0"/>
+          </a:p>
+        </p:txBody>
+      </p:sp>
+    </p:spTree>
+    <p:extLst>
+      <p:ext uri="{BB962C8B-B14F-4D97-AF65-F5344CB8AC3E}">
+        <p14:creationId xmlns:p14="http://schemas.microsoft.com/office/powerpoint/2010/main" val="4238717760"/>
+      </p:ext>
+    </p:extLst>
+  </p:cSld>
+  <p:clrMapOvr>
+    <a:masterClrMapping/>
+  </p:clrMapOvr>
+</p:sld>
+</file>
+
+<file path=ppt/slides/slide17.xml><?xml version="1.0" encoding="utf-8"?>
+<p:sld xmlns:a="http://schemas.openxmlformats.org/drawingml/2006/main" xmlns:r="http://schemas.openxmlformats.org/officeDocument/2006/relationships" xmlns:p="http://schemas.openxmlformats.org/presentationml/2006/main">
+  <p:cSld>
+    <p:spTree>
+      <p:nvGrpSpPr>
+        <p:cNvPr id="1" name=""/>
+        <p:cNvGrpSpPr/>
+        <p:nvPr/>
+      </p:nvGrpSpPr>
+      <p:grpSpPr>
+        <a:xfrm>
+          <a:off x="0" y="0"/>
+          <a:ext cx="0" cy="0"/>
+          <a:chOff x="0" y="0"/>
+          <a:chExt cx="0" cy="0"/>
+        </a:xfrm>
+      </p:grpSpPr>
+      <p:sp>
+        <p:nvSpPr>
+          <p:cNvPr id="2" name="標題 1"/>
+          <p:cNvSpPr>
+            <a:spLocks noGrp="1"/>
+          </p:cNvSpPr>
+          <p:nvPr>
+            <p:ph type="title"/>
+          </p:nvPr>
+        </p:nvSpPr>
+        <p:spPr/>
+        <p:txBody>
+          <a:bodyPr/>
+          <a:lstStyle/>
+          <a:p>
+            <a:r>
+              <a:rPr lang="en-US" altLang="zh-TW" dirty="0"/>
+              <a:t>new command in code </a:t>
+            </a:r>
+            <a:r>
+              <a:rPr lang="en-US" altLang="zh-TW" dirty="0" smtClean="0"/>
+              <a:t>-5</a:t>
+            </a:r>
+            <a:endParaRPr lang="zh-TW" altLang="en-US" dirty="0"/>
+          </a:p>
+        </p:txBody>
+      </p:sp>
+      <p:sp>
+        <p:nvSpPr>
+          <p:cNvPr id="3" name="內容版面配置區 2"/>
+          <p:cNvSpPr>
+            <a:spLocks noGrp="1"/>
+          </p:cNvSpPr>
+          <p:nvPr>
+            <p:ph idx="1"/>
+          </p:nvPr>
+        </p:nvSpPr>
+        <p:spPr/>
+        <p:txBody>
+          <a:bodyPr/>
+          <a:lstStyle/>
+          <a:p>
+            <a:r>
+              <a:rPr lang="en-US" altLang="zh-TW" dirty="0" smtClean="0"/>
+              <a:t>Use the routine to execute the command you created before.</a:t>
+            </a:r>
+          </a:p>
+          <a:p>
+            <a:pPr lvl="1"/>
+            <a:r>
+              <a:rPr lang="en-US" altLang="zh-TW" dirty="0" err="1"/>
+              <a:t>hci_command_test</a:t>
+            </a:r>
+            <a:r>
+              <a:rPr lang="en-US" altLang="zh-TW" dirty="0" smtClean="0"/>
+              <a:t>(</a:t>
+            </a:r>
+            <a:r>
+              <a:rPr lang="en-US" altLang="zh-TW" dirty="0" err="1" smtClean="0">
+                <a:solidFill>
+                  <a:srgbClr val="FF0000"/>
+                </a:solidFill>
+              </a:rPr>
+              <a:t>ser</a:t>
+            </a:r>
+            <a:r>
+              <a:rPr lang="en-US" altLang="zh-TW" dirty="0" smtClean="0"/>
+              <a:t>, </a:t>
+            </a:r>
+            <a:r>
+              <a:rPr lang="en-US" altLang="zh-TW" dirty="0" smtClean="0">
+                <a:solidFill>
+                  <a:srgbClr val="FF0000"/>
+                </a:solidFill>
+              </a:rPr>
+              <a:t>string</a:t>
+            </a:r>
+            <a:r>
+              <a:rPr lang="en-US" altLang="zh-TW" dirty="0" smtClean="0"/>
+              <a:t>)</a:t>
+            </a:r>
+          </a:p>
+          <a:p>
+            <a:pPr lvl="1"/>
+            <a:r>
+              <a:rPr lang="en-US" altLang="zh-TW" dirty="0" smtClean="0"/>
+              <a:t>The </a:t>
+            </a:r>
+            <a:r>
+              <a:rPr lang="en-US" altLang="zh-TW" b="1" dirty="0" err="1" smtClean="0"/>
+              <a:t>ser</a:t>
+            </a:r>
+            <a:r>
+              <a:rPr lang="en-US" altLang="zh-TW" dirty="0" smtClean="0"/>
+              <a:t> is serial port at Host. (ex. com8, etc…)</a:t>
+            </a:r>
+          </a:p>
+          <a:p>
+            <a:pPr lvl="1"/>
+            <a:r>
+              <a:rPr lang="en-US" altLang="zh-TW" dirty="0" smtClean="0"/>
+              <a:t>The string is your command description you add in </a:t>
+            </a:r>
+            <a:r>
+              <a:rPr lang="en-US" altLang="zh-TW" b="1" dirty="0" smtClean="0"/>
+              <a:t>command set/ group set</a:t>
+            </a:r>
+            <a:r>
+              <a:rPr lang="en-US" altLang="zh-TW" dirty="0" smtClean="0"/>
+              <a:t>. (ref. new command in code -2/3)</a:t>
+            </a:r>
+            <a:endParaRPr lang="zh-TW" altLang="en-US" dirty="0"/>
+          </a:p>
+        </p:txBody>
+      </p:sp>
+    </p:spTree>
+    <p:extLst>
+      <p:ext uri="{BB962C8B-B14F-4D97-AF65-F5344CB8AC3E}">
+        <p14:creationId xmlns:p14="http://schemas.microsoft.com/office/powerpoint/2010/main" val="2025665121"/>
+      </p:ext>
+    </p:extLst>
+  </p:cSld>
+  <p:clrMapOvr>
+    <a:masterClrMapping/>
+  </p:clrMapOvr>
+</p:sld>
+</file>
+
+<file path=ppt/slides/slide18.xml><?xml version="1.0" encoding="utf-8"?>
+<p:sld xmlns:a="http://schemas.openxmlformats.org/drawingml/2006/main" xmlns:r="http://schemas.openxmlformats.org/officeDocument/2006/relationships" xmlns:p="http://schemas.openxmlformats.org/presentationml/2006/main">
+  <p:cSld>
+    <p:spTree>
+      <p:nvGrpSpPr>
+        <p:cNvPr id="1" name=""/>
+        <p:cNvGrpSpPr/>
+        <p:nvPr/>
+      </p:nvGrpSpPr>
+      <p:grpSpPr>
+        <a:xfrm>
+          <a:off x="0" y="0"/>
+          <a:ext cx="0" cy="0"/>
+          <a:chOff x="0" y="0"/>
+          <a:chExt cx="0" cy="0"/>
+        </a:xfrm>
+      </p:grpSpPr>
+      <p:sp>
+        <p:nvSpPr>
+          <p:cNvPr id="2" name="標題 1"/>
+          <p:cNvSpPr>
+            <a:spLocks noGrp="1"/>
+          </p:cNvSpPr>
+          <p:nvPr>
+            <p:ph type="title"/>
+          </p:nvPr>
+        </p:nvSpPr>
+        <p:spPr/>
+        <p:txBody>
+          <a:bodyPr/>
+          <a:lstStyle/>
+          <a:p>
+            <a:r>
+              <a:rPr lang="en-US" altLang="zh-TW" dirty="0"/>
+              <a:t>new command in code </a:t>
+            </a:r>
+            <a:r>
+              <a:rPr lang="en-US" altLang="zh-TW" dirty="0" smtClean="0"/>
+              <a:t>– example</a:t>
+            </a:r>
+            <a:endParaRPr lang="zh-TW" altLang="en-US" dirty="0"/>
+          </a:p>
+        </p:txBody>
+      </p:sp>
+      <p:sp>
+        <p:nvSpPr>
+          <p:cNvPr id="4" name="文字方塊 3"/>
+          <p:cNvSpPr txBox="1"/>
+          <p:nvPr/>
+        </p:nvSpPr>
+        <p:spPr>
+          <a:xfrm>
+            <a:off x="755576" y="1305634"/>
+            <a:ext cx="4696670" cy="923330"/>
+          </a:xfrm>
+          <a:prstGeom prst="rect">
+            <a:avLst/>
+          </a:prstGeom>
+          <a:noFill/>
+          <a:ln>
+            <a:solidFill>
+              <a:schemeClr val="accent1"/>
+            </a:solidFill>
+          </a:ln>
+        </p:spPr>
+        <p:txBody>
+          <a:bodyPr wrap="none" rtlCol="0">
+            <a:spAutoFit/>
+          </a:bodyPr>
+          <a:lstStyle/>
+          <a:p>
+            <a:r>
+              <a:rPr lang="en-US" altLang="zh-TW" b="1" dirty="0" err="1"/>
+              <a:t>link_control_command_set</a:t>
+            </a:r>
+            <a:r>
+              <a:rPr lang="en-US" altLang="zh-TW" dirty="0"/>
+              <a:t> </a:t>
+            </a:r>
+            <a:r>
+              <a:rPr lang="en-US" altLang="zh-TW" dirty="0"/>
+              <a:t>= </a:t>
+            </a:r>
+            <a:r>
+              <a:rPr lang="en-US" altLang="zh-TW" dirty="0"/>
+              <a:t>{</a:t>
+            </a:r>
+            <a:br>
+              <a:rPr lang="en-US" altLang="zh-TW" dirty="0"/>
+            </a:br>
+            <a:r>
+              <a:rPr lang="en-US" altLang="zh-TW" dirty="0"/>
+              <a:t>    </a:t>
+            </a:r>
+            <a:r>
+              <a:rPr lang="en-US" altLang="zh-TW" dirty="0">
+                <a:solidFill>
+                  <a:srgbClr val="FF0000"/>
+                </a:solidFill>
+              </a:rPr>
+              <a:t>'</a:t>
+            </a:r>
+            <a:r>
+              <a:rPr lang="en-US" altLang="zh-TW" dirty="0" err="1">
+                <a:solidFill>
+                  <a:srgbClr val="FF0000"/>
+                </a:solidFill>
+              </a:rPr>
+              <a:t>HCI_Inquiry</a:t>
+            </a:r>
+            <a:r>
+              <a:rPr lang="en-US" altLang="zh-TW" dirty="0"/>
+              <a:t>'                                           : b'\x01</a:t>
+            </a:r>
+            <a:r>
+              <a:rPr lang="en-US" altLang="zh-TW" dirty="0" smtClean="0"/>
+              <a:t>',</a:t>
+            </a:r>
+          </a:p>
+          <a:p>
+            <a:r>
+              <a:rPr lang="en-US" altLang="zh-TW" dirty="0" smtClean="0"/>
+              <a:t>….</a:t>
+            </a:r>
+            <a:endParaRPr lang="zh-TW" altLang="en-US" dirty="0"/>
+          </a:p>
+        </p:txBody>
+      </p:sp>
+      <p:sp>
+        <p:nvSpPr>
+          <p:cNvPr id="5" name="文字方塊 4"/>
+          <p:cNvSpPr txBox="1"/>
+          <p:nvPr/>
+        </p:nvSpPr>
+        <p:spPr>
+          <a:xfrm>
+            <a:off x="755576" y="2426369"/>
+            <a:ext cx="4620945" cy="923330"/>
+          </a:xfrm>
+          <a:prstGeom prst="rect">
+            <a:avLst/>
+          </a:prstGeom>
+          <a:noFill/>
+          <a:ln>
+            <a:solidFill>
+              <a:schemeClr val="accent1"/>
+            </a:solidFill>
+          </a:ln>
+        </p:spPr>
+        <p:txBody>
+          <a:bodyPr wrap="none" rtlCol="0">
+            <a:spAutoFit/>
+          </a:bodyPr>
+          <a:lstStyle/>
+          <a:p>
+            <a:r>
+              <a:rPr lang="en-US" altLang="zh-TW" b="1" dirty="0" err="1"/>
+              <a:t>opcode_group_field_set</a:t>
+            </a:r>
+            <a:r>
+              <a:rPr lang="en-US" altLang="zh-TW" dirty="0"/>
+              <a:t> </a:t>
+            </a:r>
+            <a:r>
+              <a:rPr lang="en-US" altLang="zh-TW" dirty="0"/>
+              <a:t>= </a:t>
+            </a:r>
+            <a:r>
+              <a:rPr lang="en-US" altLang="zh-TW" dirty="0"/>
+              <a:t>{</a:t>
+            </a:r>
+            <a:br>
+              <a:rPr lang="en-US" altLang="zh-TW" dirty="0"/>
+            </a:br>
+            <a:r>
+              <a:rPr lang="en-US" altLang="zh-TW" dirty="0"/>
+              <a:t>   </a:t>
+            </a:r>
+            <a:r>
+              <a:rPr lang="en-US" altLang="zh-TW" dirty="0"/>
+              <a:t>'</a:t>
+            </a:r>
+            <a:r>
+              <a:rPr lang="en-US" altLang="zh-TW" dirty="0" err="1">
+                <a:solidFill>
+                  <a:srgbClr val="FF0000"/>
+                </a:solidFill>
+              </a:rPr>
+              <a:t>link_control_command_set</a:t>
+            </a:r>
+            <a:r>
+              <a:rPr lang="en-US" altLang="zh-TW" dirty="0"/>
+              <a:t>'             : b'\x01', </a:t>
+            </a:r>
+            <a:endParaRPr lang="en-US" altLang="zh-TW" dirty="0" smtClean="0"/>
+          </a:p>
+          <a:p>
+            <a:r>
+              <a:rPr lang="en-US" altLang="zh-TW" dirty="0" smtClean="0"/>
+              <a:t>…</a:t>
+            </a:r>
+            <a:endParaRPr lang="zh-TW" altLang="en-US" dirty="0"/>
+          </a:p>
+        </p:txBody>
+      </p:sp>
+      <p:sp>
+        <p:nvSpPr>
+          <p:cNvPr id="6" name="文字方塊 5"/>
+          <p:cNvSpPr txBox="1"/>
+          <p:nvPr/>
+        </p:nvSpPr>
+        <p:spPr>
+          <a:xfrm>
+            <a:off x="755576" y="3506110"/>
+            <a:ext cx="7936403" cy="1200329"/>
+          </a:xfrm>
+          <a:prstGeom prst="rect">
+            <a:avLst/>
+          </a:prstGeom>
+          <a:noFill/>
+          <a:ln>
+            <a:solidFill>
+              <a:schemeClr val="accent1"/>
+            </a:solidFill>
+          </a:ln>
+        </p:spPr>
+        <p:txBody>
+          <a:bodyPr wrap="none" rtlCol="0">
+            <a:spAutoFit/>
+          </a:bodyPr>
+          <a:lstStyle/>
+          <a:p>
+            <a:r>
+              <a:rPr lang="en-US" altLang="zh-TW" b="1" dirty="0" err="1"/>
+              <a:t>command_parameters_set</a:t>
+            </a:r>
+            <a:r>
+              <a:rPr lang="en-US" altLang="zh-TW" dirty="0"/>
+              <a:t> </a:t>
+            </a:r>
+            <a:r>
+              <a:rPr lang="en-US" altLang="zh-TW" dirty="0"/>
+              <a:t>= </a:t>
+            </a:r>
+            <a:r>
+              <a:rPr lang="en-US" altLang="zh-TW" dirty="0"/>
+              <a:t>{</a:t>
+            </a:r>
+            <a:br>
+              <a:rPr lang="en-US" altLang="zh-TW" dirty="0"/>
+            </a:br>
+            <a:r>
+              <a:rPr lang="en-US" altLang="zh-TW" dirty="0"/>
+              <a:t>    </a:t>
+            </a:r>
+            <a:r>
+              <a:rPr lang="en-US" altLang="zh-TW" dirty="0"/>
+              <a:t>#LINK CONTROL COMMANDS                                           </a:t>
+            </a:r>
+            <a:br>
+              <a:rPr lang="en-US" altLang="zh-TW" dirty="0"/>
+            </a:br>
+            <a:r>
+              <a:rPr lang="en-US" altLang="zh-TW" dirty="0"/>
+              <a:t>    '</a:t>
+            </a:r>
+            <a:r>
+              <a:rPr lang="en-US" altLang="zh-TW" dirty="0" err="1">
+                <a:solidFill>
+                  <a:srgbClr val="FF0000"/>
+                </a:solidFill>
+              </a:rPr>
+              <a:t>HCI_Inquiry</a:t>
+            </a:r>
+            <a:r>
+              <a:rPr lang="en-US" altLang="zh-TW" dirty="0"/>
+              <a:t>'                                           : </a:t>
+            </a:r>
+            <a:r>
+              <a:rPr lang="en-US" altLang="zh-TW" dirty="0"/>
+              <a:t>[</a:t>
+            </a:r>
+            <a:r>
+              <a:rPr lang="en-US" altLang="zh-TW" dirty="0"/>
+              <a:t>'</a:t>
+            </a:r>
+            <a:r>
+              <a:rPr lang="en-US" altLang="zh-TW" b="1" dirty="0"/>
+              <a:t>LAP','Inquiry_Length</a:t>
+            </a:r>
+            <a:r>
+              <a:rPr lang="en-US" altLang="zh-TW" dirty="0"/>
+              <a:t>','</a:t>
+            </a:r>
+            <a:r>
+              <a:rPr lang="en-US" altLang="zh-TW" b="1" dirty="0" err="1"/>
+              <a:t>Num_Responses</a:t>
+            </a:r>
+            <a:r>
+              <a:rPr lang="en-US" altLang="zh-TW" dirty="0" smtClean="0"/>
+              <a:t>'],</a:t>
+            </a:r>
+          </a:p>
+          <a:p>
+            <a:r>
+              <a:rPr lang="en-US" altLang="zh-TW" dirty="0" smtClean="0"/>
+              <a:t>…</a:t>
+            </a:r>
+            <a:endParaRPr lang="zh-TW" altLang="en-US" dirty="0"/>
+          </a:p>
+        </p:txBody>
+      </p:sp>
+      <p:sp>
+        <p:nvSpPr>
+          <p:cNvPr id="7" name="文字方塊 6"/>
+          <p:cNvSpPr txBox="1"/>
+          <p:nvPr/>
+        </p:nvSpPr>
+        <p:spPr>
+          <a:xfrm>
+            <a:off x="755575" y="4858839"/>
+            <a:ext cx="9367116" cy="923330"/>
+          </a:xfrm>
+          <a:prstGeom prst="rect">
+            <a:avLst/>
+          </a:prstGeom>
+          <a:noFill/>
+          <a:ln>
+            <a:solidFill>
+              <a:schemeClr val="accent1"/>
+            </a:solidFill>
+          </a:ln>
+        </p:spPr>
+        <p:txBody>
+          <a:bodyPr wrap="none" rtlCol="0">
+            <a:spAutoFit/>
+          </a:bodyPr>
+          <a:lstStyle/>
+          <a:p>
+            <a:r>
+              <a:rPr lang="en-US" altLang="zh-TW" b="1" dirty="0" err="1"/>
+              <a:t>parameters_configuration_set</a:t>
+            </a:r>
+            <a:r>
+              <a:rPr lang="en-US" altLang="zh-TW" dirty="0"/>
+              <a:t> </a:t>
+            </a:r>
+            <a:r>
+              <a:rPr lang="en-US" altLang="zh-TW" dirty="0"/>
+              <a:t>= </a:t>
+            </a:r>
+            <a:r>
+              <a:rPr lang="en-US" altLang="zh-TW" dirty="0"/>
+              <a:t>{  </a:t>
+            </a:r>
+            <a:r>
+              <a:rPr lang="en-US" altLang="zh-TW" dirty="0" smtClean="0"/>
+              <a:t>#</a:t>
+            </a:r>
+            <a:r>
+              <a:rPr lang="en-US" altLang="zh-TW" dirty="0" err="1"/>
+              <a:t>base_length</a:t>
+            </a:r>
+            <a:r>
+              <a:rPr lang="en-US" altLang="zh-TW" dirty="0"/>
+              <a:t> #</a:t>
+            </a:r>
+            <a:r>
+              <a:rPr lang="en-US" altLang="zh-TW" dirty="0" err="1"/>
+              <a:t>Multiple_En</a:t>
+            </a:r>
+            <a:r>
+              <a:rPr lang="en-US" altLang="zh-TW" dirty="0"/>
+              <a:t> #meaningful Type #default value</a:t>
+            </a:r>
+            <a:br>
+              <a:rPr lang="en-US" altLang="zh-TW" dirty="0"/>
+            </a:br>
+            <a:r>
+              <a:rPr lang="en-US" altLang="zh-TW" dirty="0"/>
+              <a:t>    '</a:t>
+            </a:r>
+            <a:r>
+              <a:rPr lang="en-US" altLang="zh-TW" dirty="0" err="1">
+                <a:solidFill>
+                  <a:srgbClr val="FF0000"/>
+                </a:solidFill>
+              </a:rPr>
+              <a:t>Inquiry_Length</a:t>
+            </a:r>
+            <a:r>
+              <a:rPr lang="en-US" altLang="zh-TW" dirty="0"/>
+              <a:t>'                       </a:t>
+            </a:r>
+            <a:r>
+              <a:rPr lang="en-US" altLang="zh-TW" dirty="0" smtClean="0"/>
+              <a:t>: </a:t>
+            </a:r>
+            <a:r>
+              <a:rPr lang="en-US" altLang="zh-TW" dirty="0"/>
+              <a:t>[      </a:t>
+            </a:r>
+            <a:r>
+              <a:rPr lang="en-US" altLang="zh-TW" dirty="0"/>
+              <a:t>1,         0,       'bytes', b'\x30'         </a:t>
+            </a:r>
+            <a:r>
+              <a:rPr lang="en-US" altLang="zh-TW" dirty="0" smtClean="0"/>
+              <a:t>],</a:t>
+            </a:r>
+          </a:p>
+          <a:p>
+            <a:r>
+              <a:rPr lang="en-US" altLang="zh-TW" dirty="0" smtClean="0"/>
+              <a:t>…</a:t>
+            </a:r>
+            <a:endParaRPr lang="zh-TW" altLang="en-US" dirty="0"/>
+          </a:p>
+        </p:txBody>
+      </p:sp>
+      <p:sp>
+        <p:nvSpPr>
+          <p:cNvPr id="8" name="文字方塊 7"/>
+          <p:cNvSpPr txBox="1"/>
+          <p:nvPr/>
+        </p:nvSpPr>
+        <p:spPr>
+          <a:xfrm>
+            <a:off x="755575" y="5934670"/>
+            <a:ext cx="3916457" cy="923330"/>
+          </a:xfrm>
+          <a:prstGeom prst="rect">
+            <a:avLst/>
+          </a:prstGeom>
+          <a:noFill/>
+          <a:ln>
+            <a:solidFill>
+              <a:schemeClr val="accent1"/>
+            </a:solidFill>
+          </a:ln>
+        </p:spPr>
+        <p:txBody>
+          <a:bodyPr wrap="none" rtlCol="0">
+            <a:spAutoFit/>
+          </a:bodyPr>
+          <a:lstStyle/>
+          <a:p>
+            <a:r>
+              <a:rPr lang="en-US" altLang="zh-TW" i="1" dirty="0" err="1"/>
+              <a:t>def</a:t>
+            </a:r>
+            <a:r>
+              <a:rPr lang="en-US" altLang="zh-TW" i="1" dirty="0"/>
+              <a:t> </a:t>
+            </a:r>
+            <a:r>
+              <a:rPr lang="en-US" altLang="zh-TW" dirty="0"/>
+              <a:t>main</a:t>
+            </a:r>
+            <a:r>
+              <a:rPr lang="en-US" altLang="zh-TW" dirty="0" smtClean="0"/>
+              <a:t>():</a:t>
+            </a:r>
+          </a:p>
+          <a:p>
+            <a:r>
+              <a:rPr lang="en-US" altLang="zh-TW" dirty="0" smtClean="0"/>
+              <a:t>    </a:t>
+            </a:r>
+            <a:r>
+              <a:rPr lang="en-US" altLang="zh-TW" dirty="0" err="1">
+                <a:solidFill>
+                  <a:srgbClr val="FF0000"/>
+                </a:solidFill>
+              </a:rPr>
+              <a:t>hci_command_test</a:t>
+            </a:r>
+            <a:r>
+              <a:rPr lang="en-US" altLang="zh-TW" dirty="0"/>
+              <a:t>(</a:t>
+            </a:r>
+            <a:r>
+              <a:rPr lang="en-US" altLang="zh-TW" dirty="0" err="1"/>
+              <a:t>ser</a:t>
+            </a:r>
+            <a:r>
+              <a:rPr lang="en-US" altLang="zh-TW" dirty="0"/>
+              <a:t>, '</a:t>
+            </a:r>
+            <a:r>
+              <a:rPr lang="en-US" altLang="zh-TW" dirty="0" err="1"/>
+              <a:t>HCI_Inquiry</a:t>
+            </a:r>
+            <a:r>
+              <a:rPr lang="en-US" altLang="zh-TW" dirty="0"/>
+              <a:t>')</a:t>
+            </a:r>
+            <a:endParaRPr lang="en-US" altLang="zh-TW" dirty="0"/>
+          </a:p>
+          <a:p>
+            <a:r>
+              <a:rPr lang="en-US" altLang="zh-TW" dirty="0" smtClean="0"/>
+              <a:t>…</a:t>
+            </a:r>
+            <a:endParaRPr lang="zh-TW" altLang="en-US" dirty="0"/>
+          </a:p>
+        </p:txBody>
+      </p:sp>
+    </p:spTree>
+    <p:extLst>
+      <p:ext uri="{BB962C8B-B14F-4D97-AF65-F5344CB8AC3E}">
+        <p14:creationId xmlns:p14="http://schemas.microsoft.com/office/powerpoint/2010/main" val="2714517083"/>
+      </p:ext>
+    </p:extLst>
+  </p:cSld>
+  <p:clrMapOvr>
+    <a:masterClrMapping/>
+  </p:clrMapOvr>
+</p:sld>
+</file>
+
+<file path=ppt/slides/slide19.xml><?xml version="1.0" encoding="utf-8"?>
+<p:sld xmlns:a="http://schemas.openxmlformats.org/drawingml/2006/main" xmlns:r="http://schemas.openxmlformats.org/officeDocument/2006/relationships" xmlns:p="http://schemas.openxmlformats.org/presentationml/2006/main">
+  <p:cSld>
+    <p:spTree>
+      <p:nvGrpSpPr>
+        <p:cNvPr id="1" name=""/>
+        <p:cNvGrpSpPr/>
+        <p:nvPr/>
+      </p:nvGrpSpPr>
+      <p:grpSpPr>
+        <a:xfrm>
+          <a:off x="0" y="0"/>
+          <a:ext cx="0" cy="0"/>
+          <a:chOff x="0" y="0"/>
+          <a:chExt cx="0" cy="0"/>
+        </a:xfrm>
+      </p:grpSpPr>
+      <p:sp>
+        <p:nvSpPr>
+          <p:cNvPr id="2" name="標題 1"/>
+          <p:cNvSpPr>
+            <a:spLocks noGrp="1"/>
+          </p:cNvSpPr>
+          <p:nvPr>
+            <p:ph type="title"/>
+          </p:nvPr>
+        </p:nvSpPr>
+        <p:spPr/>
+        <p:txBody>
+          <a:bodyPr/>
+          <a:lstStyle/>
+          <a:p>
+            <a:r>
+              <a:rPr lang="en-US" altLang="zh-TW" dirty="0" smtClean="0"/>
+              <a:t>Q &amp; A</a:t>
+            </a:r>
+            <a:endParaRPr lang="zh-TW" altLang="en-US" dirty="0"/>
+          </a:p>
+        </p:txBody>
+      </p:sp>
+      <p:sp>
+        <p:nvSpPr>
+          <p:cNvPr id="3" name="內容版面配置區 2"/>
+          <p:cNvSpPr>
+            <a:spLocks noGrp="1"/>
+          </p:cNvSpPr>
+          <p:nvPr>
+            <p:ph idx="1"/>
+          </p:nvPr>
+        </p:nvSpPr>
+        <p:spPr/>
+        <p:txBody>
+          <a:bodyPr/>
+          <a:lstStyle/>
+          <a:p>
+            <a:endParaRPr lang="zh-TW" altLang="en-US"/>
+          </a:p>
+        </p:txBody>
+      </p:sp>
+    </p:spTree>
+    <p:extLst>
+      <p:ext uri="{BB962C8B-B14F-4D97-AF65-F5344CB8AC3E}">
+        <p14:creationId xmlns:p14="http://schemas.microsoft.com/office/powerpoint/2010/main" val="1234732125"/>
       </p:ext>
     </p:extLst>
   </p:cSld>
@@ -4856,6 +5956,85 @@
     <p:extLst>
       <p:ext uri="{BB962C8B-B14F-4D97-AF65-F5344CB8AC3E}">
         <p14:creationId xmlns:p14="http://schemas.microsoft.com/office/powerpoint/2010/main" val="73480577"/>
+      </p:ext>
+    </p:extLst>
+  </p:cSld>
+  <p:clrMapOvr>
+    <a:masterClrMapping/>
+  </p:clrMapOvr>
+</p:sld>
+</file>
+
+<file path=ppt/slides/slide20.xml><?xml version="1.0" encoding="utf-8"?>
+<p:sld xmlns:a="http://schemas.openxmlformats.org/drawingml/2006/main" xmlns:r="http://schemas.openxmlformats.org/officeDocument/2006/relationships" xmlns:p="http://schemas.openxmlformats.org/presentationml/2006/main">
+  <p:cSld>
+    <p:spTree>
+      <p:nvGrpSpPr>
+        <p:cNvPr id="1" name=""/>
+        <p:cNvGrpSpPr/>
+        <p:nvPr/>
+      </p:nvGrpSpPr>
+      <p:grpSpPr>
+        <a:xfrm>
+          <a:off x="0" y="0"/>
+          <a:ext cx="0" cy="0"/>
+          <a:chOff x="0" y="0"/>
+          <a:chExt cx="0" cy="0"/>
+        </a:xfrm>
+      </p:grpSpPr>
+      <p:sp>
+        <p:nvSpPr>
+          <p:cNvPr id="2" name="標題 1"/>
+          <p:cNvSpPr>
+            <a:spLocks noGrp="1"/>
+          </p:cNvSpPr>
+          <p:nvPr>
+            <p:ph type="title"/>
+          </p:nvPr>
+        </p:nvSpPr>
+        <p:spPr>
+          <a:xfrm>
+            <a:off x="457200" y="274638"/>
+            <a:ext cx="8229600" cy="706090"/>
+          </a:xfrm>
+        </p:spPr>
+        <p:txBody>
+          <a:bodyPr>
+            <a:normAutofit fontScale="90000"/>
+          </a:bodyPr>
+          <a:lstStyle/>
+          <a:p>
+            <a:r>
+              <a:rPr lang="en-US" altLang="zh-TW" dirty="0" smtClean="0"/>
+              <a:t>Next update</a:t>
+            </a:r>
+            <a:endParaRPr lang="zh-TW" altLang="en-US" dirty="0"/>
+          </a:p>
+        </p:txBody>
+      </p:sp>
+      <p:sp>
+        <p:nvSpPr>
+          <p:cNvPr id="3" name="內容版面配置區 2"/>
+          <p:cNvSpPr>
+            <a:spLocks noGrp="1"/>
+          </p:cNvSpPr>
+          <p:nvPr>
+            <p:ph idx="1"/>
+          </p:nvPr>
+        </p:nvSpPr>
+        <p:spPr/>
+        <p:txBody>
+          <a:bodyPr/>
+          <a:lstStyle/>
+          <a:p>
+            <a:endParaRPr lang="zh-TW" altLang="en-US" dirty="0"/>
+          </a:p>
+        </p:txBody>
+      </p:sp>
+    </p:spTree>
+    <p:extLst>
+      <p:ext uri="{BB962C8B-B14F-4D97-AF65-F5344CB8AC3E}">
+        <p14:creationId xmlns:p14="http://schemas.microsoft.com/office/powerpoint/2010/main" val="3785990368"/>
       </p:ext>
     </p:extLst>
   </p:cSld>
